--- a/PHD Progression 5.pptx
+++ b/PHD Progression 5.pptx
@@ -16,18 +16,20 @@
     <p:sldId id="264" r:id="rId10"/>
     <p:sldId id="266" r:id="rId11"/>
     <p:sldId id="265" r:id="rId12"/>
-    <p:sldId id="267" r:id="rId13"/>
-    <p:sldId id="268" r:id="rId14"/>
-    <p:sldId id="269" r:id="rId15"/>
-    <p:sldId id="270" r:id="rId16"/>
-    <p:sldId id="271" r:id="rId17"/>
-    <p:sldId id="272" r:id="rId18"/>
-    <p:sldId id="273" r:id="rId19"/>
-    <p:sldId id="274" r:id="rId20"/>
-    <p:sldId id="275" r:id="rId21"/>
-    <p:sldId id="276" r:id="rId22"/>
-    <p:sldId id="277" r:id="rId23"/>
-    <p:sldId id="278" r:id="rId24"/>
+    <p:sldId id="279" r:id="rId13"/>
+    <p:sldId id="280" r:id="rId14"/>
+    <p:sldId id="267" r:id="rId15"/>
+    <p:sldId id="268" r:id="rId16"/>
+    <p:sldId id="269" r:id="rId17"/>
+    <p:sldId id="270" r:id="rId18"/>
+    <p:sldId id="271" r:id="rId19"/>
+    <p:sldId id="272" r:id="rId20"/>
+    <p:sldId id="273" r:id="rId21"/>
+    <p:sldId id="274" r:id="rId22"/>
+    <p:sldId id="275" r:id="rId23"/>
+    <p:sldId id="276" r:id="rId24"/>
+    <p:sldId id="277" r:id="rId25"/>
+    <p:sldId id="278" r:id="rId26"/>
   </p:sldIdLst>
   <p:sldSz cx="12192000" cy="6858000"/>
   <p:notesSz cx="6858000" cy="9144000"/>
@@ -13607,6 +13609,202 @@
         <p:cNvPr id="1" name="">
           <a:extLst>
             <a:ext uri="{FF2B5EF4-FFF2-40B4-BE49-F238E27FC236}">
+              <a16:creationId xmlns:a16="http://schemas.microsoft.com/office/drawing/2014/main" id="{C732ED06-65CF-5563-6EAD-1B047E61ED80}"/>
+            </a:ext>
+          </a:extLst>
+        </p:cNvPr>
+        <p:cNvGrpSpPr/>
+        <p:nvPr/>
+      </p:nvGrpSpPr>
+      <p:grpSpPr>
+        <a:xfrm>
+          <a:off x="0" y="0"/>
+          <a:ext cx="0" cy="0"/>
+          <a:chOff x="0" y="0"/>
+          <a:chExt cx="0" cy="0"/>
+        </a:xfrm>
+      </p:grpSpPr>
+      <p:sp>
+        <p:nvSpPr>
+          <p:cNvPr id="2" name="Title 1">
+            <a:extLst>
+              <a:ext uri="{FF2B5EF4-FFF2-40B4-BE49-F238E27FC236}">
+                <a16:creationId xmlns:a16="http://schemas.microsoft.com/office/drawing/2014/main" id="{82D7FA52-8950-AC56-1637-73ACBB152EF1}"/>
+              </a:ext>
+            </a:extLst>
+          </p:cNvPr>
+          <p:cNvSpPr>
+            <a:spLocks noGrp="1"/>
+          </p:cNvSpPr>
+          <p:nvPr>
+            <p:ph type="title"/>
+          </p:nvPr>
+        </p:nvSpPr>
+        <p:spPr/>
+        <p:txBody>
+          <a:bodyPr/>
+          <a:lstStyle/>
+          <a:p>
+            <a:r>
+              <a:rPr lang="en-GB" dirty="0"/>
+              <a:t>Results</a:t>
+            </a:r>
+            <a:br>
+              <a:rPr lang="en-GB" dirty="0"/>
+            </a:br>
+            <a:endParaRPr lang="en-GB" dirty="0"/>
+          </a:p>
+        </p:txBody>
+      </p:sp>
+      <p:pic>
+        <p:nvPicPr>
+          <p:cNvPr id="4" name="Picture 3">
+            <a:extLst>
+              <a:ext uri="{FF2B5EF4-FFF2-40B4-BE49-F238E27FC236}">
+                <a16:creationId xmlns:a16="http://schemas.microsoft.com/office/drawing/2014/main" id="{79389FF6-1485-D436-CE6E-C7C8837A7694}"/>
+              </a:ext>
+            </a:extLst>
+          </p:cNvPr>
+          <p:cNvPicPr>
+            <a:picLocks noChangeAspect="1"/>
+          </p:cNvPicPr>
+          <p:nvPr/>
+        </p:nvPicPr>
+        <p:blipFill>
+          <a:blip r:embed="rId2"/>
+          <a:stretch>
+            <a:fillRect/>
+          </a:stretch>
+        </p:blipFill>
+        <p:spPr>
+          <a:xfrm>
+            <a:off x="463638" y="1867436"/>
+            <a:ext cx="11217499" cy="4990563"/>
+          </a:xfrm>
+          <a:prstGeom prst="rect">
+            <a:avLst/>
+          </a:prstGeom>
+        </p:spPr>
+      </p:pic>
+    </p:spTree>
+    <p:extLst>
+      <p:ext uri="{BB962C8B-B14F-4D97-AF65-F5344CB8AC3E}">
+        <p14:creationId xmlns:p14="http://schemas.microsoft.com/office/powerpoint/2010/main" val="3429275887"/>
+      </p:ext>
+    </p:extLst>
+  </p:cSld>
+  <p:clrMapOvr>
+    <a:masterClrMapping/>
+  </p:clrMapOvr>
+</p:sld>
+</file>
+
+<file path=ppt/slides/slide13.xml><?xml version="1.0" encoding="utf-8"?>
+<p:sld xmlns:a="http://schemas.openxmlformats.org/drawingml/2006/main" xmlns:r="http://schemas.openxmlformats.org/officeDocument/2006/relationships" xmlns:p="http://schemas.openxmlformats.org/presentationml/2006/main">
+  <p:cSld>
+    <p:spTree>
+      <p:nvGrpSpPr>
+        <p:cNvPr id="1" name="">
+          <a:extLst>
+            <a:ext uri="{FF2B5EF4-FFF2-40B4-BE49-F238E27FC236}">
+              <a16:creationId xmlns:a16="http://schemas.microsoft.com/office/drawing/2014/main" id="{4A5B8917-09C9-B999-7FC5-9A2178150F52}"/>
+            </a:ext>
+          </a:extLst>
+        </p:cNvPr>
+        <p:cNvGrpSpPr/>
+        <p:nvPr/>
+      </p:nvGrpSpPr>
+      <p:grpSpPr>
+        <a:xfrm>
+          <a:off x="0" y="0"/>
+          <a:ext cx="0" cy="0"/>
+          <a:chOff x="0" y="0"/>
+          <a:chExt cx="0" cy="0"/>
+        </a:xfrm>
+      </p:grpSpPr>
+      <p:sp>
+        <p:nvSpPr>
+          <p:cNvPr id="2" name="Title 1">
+            <a:extLst>
+              <a:ext uri="{FF2B5EF4-FFF2-40B4-BE49-F238E27FC236}">
+                <a16:creationId xmlns:a16="http://schemas.microsoft.com/office/drawing/2014/main" id="{C7F41AC5-9844-EBDC-EF00-59B13DA6BE2A}"/>
+              </a:ext>
+            </a:extLst>
+          </p:cNvPr>
+          <p:cNvSpPr>
+            <a:spLocks noGrp="1"/>
+          </p:cNvSpPr>
+          <p:nvPr>
+            <p:ph type="title"/>
+          </p:nvPr>
+        </p:nvSpPr>
+        <p:spPr/>
+        <p:txBody>
+          <a:bodyPr/>
+          <a:lstStyle/>
+          <a:p>
+            <a:r>
+              <a:rPr lang="en-GB" dirty="0"/>
+              <a:t>Results</a:t>
+            </a:r>
+            <a:br>
+              <a:rPr lang="en-GB" dirty="0"/>
+            </a:br>
+            <a:endParaRPr lang="en-GB" dirty="0"/>
+          </a:p>
+        </p:txBody>
+      </p:sp>
+      <p:pic>
+        <p:nvPicPr>
+          <p:cNvPr id="5" name="Picture 4">
+            <a:extLst>
+              <a:ext uri="{FF2B5EF4-FFF2-40B4-BE49-F238E27FC236}">
+                <a16:creationId xmlns:a16="http://schemas.microsoft.com/office/drawing/2014/main" id="{90A862FD-A1CA-5E5A-B4E7-6D6181E13927}"/>
+              </a:ext>
+            </a:extLst>
+          </p:cNvPr>
+          <p:cNvPicPr>
+            <a:picLocks noChangeAspect="1"/>
+          </p:cNvPicPr>
+          <p:nvPr/>
+        </p:nvPicPr>
+        <p:blipFill>
+          <a:blip r:embed="rId2"/>
+          <a:stretch>
+            <a:fillRect/>
+          </a:stretch>
+        </p:blipFill>
+        <p:spPr>
+          <a:xfrm>
+            <a:off x="1553246" y="2869104"/>
+            <a:ext cx="8724900" cy="2562225"/>
+          </a:xfrm>
+          <a:prstGeom prst="rect">
+            <a:avLst/>
+          </a:prstGeom>
+        </p:spPr>
+      </p:pic>
+    </p:spTree>
+    <p:extLst>
+      <p:ext uri="{BB962C8B-B14F-4D97-AF65-F5344CB8AC3E}">
+        <p14:creationId xmlns:p14="http://schemas.microsoft.com/office/powerpoint/2010/main" val="1998252492"/>
+      </p:ext>
+    </p:extLst>
+  </p:cSld>
+  <p:clrMapOvr>
+    <a:masterClrMapping/>
+  </p:clrMapOvr>
+</p:sld>
+</file>
+
+<file path=ppt/slides/slide14.xml><?xml version="1.0" encoding="utf-8"?>
+<p:sld xmlns:a="http://schemas.openxmlformats.org/drawingml/2006/main" xmlns:r="http://schemas.openxmlformats.org/officeDocument/2006/relationships" xmlns:p="http://schemas.openxmlformats.org/presentationml/2006/main">
+  <p:cSld>
+    <p:spTree>
+      <p:nvGrpSpPr>
+        <p:cNvPr id="1" name="">
+          <a:extLst>
+            <a:ext uri="{FF2B5EF4-FFF2-40B4-BE49-F238E27FC236}">
               <a16:creationId xmlns:a16="http://schemas.microsoft.com/office/drawing/2014/main" id="{6E42D1B6-6044-C190-3BB2-3CDD29F6C12B}"/>
             </a:ext>
           </a:extLst>
@@ -13750,7 +13948,7 @@
 </p:sld>
 </file>
 
-<file path=ppt/slides/slide13.xml><?xml version="1.0" encoding="utf-8"?>
+<file path=ppt/slides/slide15.xml><?xml version="1.0" encoding="utf-8"?>
 <p:sld xmlns:a="http://schemas.openxmlformats.org/drawingml/2006/main" xmlns:r="http://schemas.openxmlformats.org/officeDocument/2006/relationships" xmlns:p="http://schemas.openxmlformats.org/presentationml/2006/main">
   <p:cSld>
     <p:spTree>
@@ -13823,15 +14021,98 @@
         </p:nvSpPr>
         <p:spPr>
           <a:xfrm>
-            <a:off x="95517" y="2285999"/>
-            <a:ext cx="11225013" cy="4572001"/>
+            <a:off x="95517" y="2427666"/>
+            <a:ext cx="5790128" cy="4572001"/>
           </a:xfrm>
         </p:spPr>
         <p:txBody>
           <a:bodyPr>
-            <a:normAutofit/>
+            <a:normAutofit fontScale="70000" lnSpcReduction="20000"/>
           </a:bodyPr>
           <a:lstStyle/>
+          <a:p>
+            <a:endParaRPr lang="en-US" sz="2400" dirty="0">
+              <a:hlinkClick r:id="rId2"/>
+            </a:endParaRPr>
+          </a:p>
+          <a:p>
+            <a:r>
+              <a:rPr lang="en-US" sz="2400" dirty="0"/>
+              <a:t>While GPT-2 performs </a:t>
+            </a:r>
+            <a:r>
+              <a:rPr lang="en-US" sz="2400" dirty="0" err="1"/>
+              <a:t>signifi</a:t>
+            </a:r>
+            <a:r>
+              <a:rPr lang="en-US" sz="2400" dirty="0"/>
+              <a:t> </a:t>
+            </a:r>
+            <a:r>
+              <a:rPr lang="en-US" sz="2400" dirty="0" err="1"/>
+              <a:t>cantly</a:t>
+            </a:r>
+            <a:r>
+              <a:rPr lang="en-US" sz="2400" dirty="0"/>
+              <a:t> worse in the more difficult tasks of </a:t>
+            </a:r>
+            <a:r>
+              <a:rPr lang="en-US" sz="2400" dirty="0" err="1"/>
+              <a:t>SQuAD</a:t>
+            </a:r>
+            <a:r>
+              <a:rPr lang="en-US" sz="2400" dirty="0"/>
+              <a:t> and HotpotQA, </a:t>
+            </a:r>
+          </a:p>
+          <a:p>
+            <a:r>
+              <a:rPr lang="en-US" sz="2400" dirty="0"/>
+              <a:t>it does considerably better on </a:t>
+            </a:r>
+            <a:r>
+              <a:rPr lang="en-US" sz="2400" dirty="0" err="1"/>
+              <a:t>bAbi</a:t>
+            </a:r>
+            <a:r>
+              <a:rPr lang="en-US" sz="2400" dirty="0"/>
+              <a:t> reducing the validation error to nearly 0. Both tasks require positional or geometric reasoning</a:t>
+            </a:r>
+          </a:p>
+          <a:p>
+            <a:r>
+              <a:rPr lang="en-US" sz="2400" dirty="0"/>
+              <a:t>it is reasonable to assume that this is a skill where GPT-2 improves on BERT’s reasoning capabilities.</a:t>
+            </a:r>
+            <a:endParaRPr lang="en-US" sz="2400" dirty="0">
+              <a:hlinkClick r:id="rId2"/>
+            </a:endParaRPr>
+          </a:p>
+          <a:p>
+            <a:endParaRPr lang="en-US" sz="2400" dirty="0">
+              <a:hlinkClick r:id="rId2"/>
+            </a:endParaRPr>
+          </a:p>
+          <a:p>
+            <a:endParaRPr lang="en-US" sz="2400" dirty="0">
+              <a:hlinkClick r:id="rId2"/>
+            </a:endParaRPr>
+          </a:p>
+          <a:p>
+            <a:endParaRPr lang="en-US" sz="2400" dirty="0">
+              <a:hlinkClick r:id="rId2"/>
+            </a:endParaRPr>
+          </a:p>
+          <a:p>
+            <a:endParaRPr lang="en-US" sz="2400" dirty="0">
+              <a:hlinkClick r:id="rId2"/>
+            </a:endParaRPr>
+          </a:p>
+          <a:p>
+            <a:endParaRPr lang="en-US" sz="2400" dirty="0">
+              <a:hlinkClick r:id="rId2"/>
+            </a:endParaRPr>
+          </a:p>
           <a:p>
             <a:r>
               <a:rPr lang="en-US" sz="2400" dirty="0">
@@ -13846,6 +14127,36 @@
           </a:p>
         </p:txBody>
       </p:sp>
+      <p:pic>
+        <p:nvPicPr>
+          <p:cNvPr id="5" name="Picture 4">
+            <a:extLst>
+              <a:ext uri="{FF2B5EF4-FFF2-40B4-BE49-F238E27FC236}">
+                <a16:creationId xmlns:a16="http://schemas.microsoft.com/office/drawing/2014/main" id="{D1F698CC-49F0-8809-A86B-C2C44CDC88B6}"/>
+              </a:ext>
+            </a:extLst>
+          </p:cNvPr>
+          <p:cNvPicPr>
+            <a:picLocks noChangeAspect="1"/>
+          </p:cNvPicPr>
+          <p:nvPr/>
+        </p:nvPicPr>
+        <p:blipFill>
+          <a:blip r:embed="rId3"/>
+          <a:stretch>
+            <a:fillRect/>
+          </a:stretch>
+        </p:blipFill>
+        <p:spPr>
+          <a:xfrm>
+            <a:off x="5795492" y="2427667"/>
+            <a:ext cx="6078829" cy="3846726"/>
+          </a:xfrm>
+          <a:prstGeom prst="rect">
+            <a:avLst/>
+          </a:prstGeom>
+        </p:spPr>
+      </p:pic>
     </p:spTree>
     <p:extLst>
       <p:ext uri="{BB962C8B-B14F-4D97-AF65-F5344CB8AC3E}">
@@ -13859,7 +14170,7 @@
 </p:sld>
 </file>
 
-<file path=ppt/slides/slide14.xml><?xml version="1.0" encoding="utf-8"?>
+<file path=ppt/slides/slide16.xml><?xml version="1.0" encoding="utf-8"?>
 <p:sld xmlns:a="http://schemas.openxmlformats.org/drawingml/2006/main" xmlns:r="http://schemas.openxmlformats.org/officeDocument/2006/relationships" xmlns:p="http://schemas.openxmlformats.org/presentationml/2006/main">
   <p:cSld>
     <p:spTree>
@@ -13989,7 +14300,7 @@
 </p:sld>
 </file>
 
-<file path=ppt/slides/slide15.xml><?xml version="1.0" encoding="utf-8"?>
+<file path=ppt/slides/slide17.xml><?xml version="1.0" encoding="utf-8"?>
 <p:sld xmlns:a="http://schemas.openxmlformats.org/drawingml/2006/main" xmlns:r="http://schemas.openxmlformats.org/officeDocument/2006/relationships" xmlns:p="http://schemas.openxmlformats.org/presentationml/2006/main">
   <p:cSld>
     <p:spTree>
@@ -14103,7 +14414,7 @@
 </p:sld>
 </file>
 
-<file path=ppt/slides/slide16.xml><?xml version="1.0" encoding="utf-8"?>
+<file path=ppt/slides/slide18.xml><?xml version="1.0" encoding="utf-8"?>
 <p:sld xmlns:a="http://schemas.openxmlformats.org/drawingml/2006/main" xmlns:r="http://schemas.openxmlformats.org/officeDocument/2006/relationships" xmlns:p="http://schemas.openxmlformats.org/presentationml/2006/main">
   <p:cSld>
     <p:spTree>
@@ -14466,7 +14777,7 @@
 </p:sld>
 </file>
 
-<file path=ppt/slides/slide17.xml><?xml version="1.0" encoding="utf-8"?>
+<file path=ppt/slides/slide19.xml><?xml version="1.0" encoding="utf-8"?>
 <p:sld xmlns:a="http://schemas.openxmlformats.org/drawingml/2006/main" xmlns:r="http://schemas.openxmlformats.org/officeDocument/2006/relationships" xmlns:p="http://schemas.openxmlformats.org/presentationml/2006/main">
   <p:cSld>
     <p:spTree>
@@ -14529,8 +14840,8 @@
           </a:p>
         </p:txBody>
       </p:sp>
-      <mc:AlternateContent xmlns:mc="http://schemas.openxmlformats.org/markup-compatibility/2006">
-        <mc:Choice xmlns:a14="http://schemas.microsoft.com/office/drawing/2010/main" Requires="a14">
+      <mc:AlternateContent xmlns:mc="http://schemas.openxmlformats.org/markup-compatibility/2006" xmlns:a14="http://schemas.microsoft.com/office/drawing/2010/main">
+        <mc:Choice Requires="a14">
           <p:sp>
             <p:nvSpPr>
               <p:cNvPr id="4" name="Subtitle 2">
@@ -14574,38 +14885,52 @@
                 <a14:m>
                   <m:oMath xmlns:m="http://schemas.openxmlformats.org/officeDocument/2006/math">
                     <m:r>
-                      <a:rPr lang="en-GB" b="1"/>
+                      <a:rPr lang="en-GB" b="1">
+                        <a:latin typeface="Cambria Math" panose="02040503050406030204" pitchFamily="18" charset="0"/>
+                      </a:rPr>
                       <m:t>𝑇</m:t>
                     </m:r>
                     <m:r>
-                      <a:rPr lang="en-GB" b="1"/>
+                      <a:rPr lang="en-GB" b="1">
+                        <a:latin typeface="Cambria Math" panose="02040503050406030204" pitchFamily="18" charset="0"/>
+                      </a:rPr>
                       <m:t>≈</m:t>
                     </m:r>
                     <m:sSup>
                       <m:sSupPr>
                         <m:ctrlPr>
-                          <a:rPr lang="ar-AE" b="1"/>
+                          <a:rPr lang="ar-AE" b="1" i="1">
+                            <a:latin typeface="Cambria Math" panose="02040503050406030204" pitchFamily="18" charset="0"/>
+                          </a:rPr>
                         </m:ctrlPr>
                       </m:sSupPr>
                       <m:e>
                         <m:r>
-                          <a:rPr lang="ar-AE" b="1"/>
+                          <a:rPr lang="ar-AE" b="1">
+                            <a:latin typeface="Cambria Math" panose="02040503050406030204" pitchFamily="18" charset="0"/>
+                          </a:rPr>
                           <m:t>𝐴</m:t>
                         </m:r>
                       </m:e>
                       <m:sup>
                         <m:r>
-                          <a:rPr lang="ar-AE" b="1"/>
+                          <a:rPr lang="ar-AE" b="1">
+                            <a:latin typeface="Cambria Math" panose="02040503050406030204" pitchFamily="18" charset="0"/>
+                          </a:rPr>
                           <m:t>+</m:t>
                         </m:r>
                       </m:sup>
                     </m:sSup>
                     <m:r>
-                      <a:rPr lang="ar-AE" b="1"/>
+                      <a:rPr lang="ar-AE" b="1">
+                        <a:latin typeface="Cambria Math" panose="02040503050406030204" pitchFamily="18" charset="0"/>
+                      </a:rPr>
                       <m:t>×</m:t>
                     </m:r>
                     <m:r>
-                      <a:rPr lang="ar-AE" b="1"/>
+                      <a:rPr lang="ar-AE" b="1">
+                        <a:latin typeface="Cambria Math" panose="02040503050406030204" pitchFamily="18" charset="0"/>
+                      </a:rPr>
                       <m:t>𝐵</m:t>
                     </m:r>
                   </m:oMath>
@@ -14628,18 +14953,24 @@
                     <m:sSup>
                       <m:sSupPr>
                         <m:ctrlPr>
-                          <a:rPr lang="ar-AE" b="1"/>
+                          <a:rPr lang="ar-AE" b="1" i="1">
+                            <a:latin typeface="Cambria Math" panose="02040503050406030204" pitchFamily="18" charset="0"/>
+                          </a:rPr>
                         </m:ctrlPr>
                       </m:sSupPr>
                       <m:e>
                         <m:r>
-                          <a:rPr lang="ar-AE" b="1"/>
+                          <a:rPr lang="ar-AE" b="1">
+                            <a:latin typeface="Cambria Math" panose="02040503050406030204" pitchFamily="18" charset="0"/>
+                          </a:rPr>
                           <m:t>𝐴</m:t>
                         </m:r>
                       </m:e>
                       <m:sup>
                         <m:r>
-                          <a:rPr lang="ar-AE" b="1"/>
+                          <a:rPr lang="ar-AE" b="1">
+                            <a:latin typeface="Cambria Math" panose="02040503050406030204" pitchFamily="18" charset="0"/>
+                          </a:rPr>
                           <m:t>+</m:t>
                         </m:r>
                       </m:sup>
@@ -14661,7 +14992,7 @@
             </p:txBody>
           </p:sp>
         </mc:Choice>
-        <mc:Fallback>
+        <mc:Fallback xmlns="">
           <p:sp>
             <p:nvSpPr>
               <p:cNvPr id="4" name="Subtitle 2">
@@ -14718,7 +15049,122 @@
 </p:sld>
 </file>
 
-<file path=ppt/slides/slide18.xml><?xml version="1.0" encoding="utf-8"?>
+<file path=ppt/slides/slide2.xml><?xml version="1.0" encoding="utf-8"?>
+<p:sld xmlns:a="http://schemas.openxmlformats.org/drawingml/2006/main" xmlns:r="http://schemas.openxmlformats.org/officeDocument/2006/relationships" xmlns:p="http://schemas.openxmlformats.org/presentationml/2006/main">
+  <p:cSld>
+    <p:spTree>
+      <p:nvGrpSpPr>
+        <p:cNvPr id="1" name="">
+          <a:extLst>
+            <a:ext uri="{FF2B5EF4-FFF2-40B4-BE49-F238E27FC236}">
+              <a16:creationId xmlns:a16="http://schemas.microsoft.com/office/drawing/2014/main" id="{26558402-64F7-4E10-CC3C-295AFE1678A6}"/>
+            </a:ext>
+          </a:extLst>
+        </p:cNvPr>
+        <p:cNvGrpSpPr/>
+        <p:nvPr/>
+      </p:nvGrpSpPr>
+      <p:grpSpPr>
+        <a:xfrm>
+          <a:off x="0" y="0"/>
+          <a:ext cx="0" cy="0"/>
+          <a:chOff x="0" y="0"/>
+          <a:chExt cx="0" cy="0"/>
+        </a:xfrm>
+      </p:grpSpPr>
+      <p:sp>
+        <p:nvSpPr>
+          <p:cNvPr id="2" name="Title 1">
+            <a:extLst>
+              <a:ext uri="{FF2B5EF4-FFF2-40B4-BE49-F238E27FC236}">
+                <a16:creationId xmlns:a16="http://schemas.microsoft.com/office/drawing/2014/main" id="{0C7FC174-B74D-93DE-D69A-0CC59ACD964F}"/>
+              </a:ext>
+            </a:extLst>
+          </p:cNvPr>
+          <p:cNvSpPr>
+            <a:spLocks noGrp="1"/>
+          </p:cNvSpPr>
+          <p:nvPr>
+            <p:ph type="title"/>
+          </p:nvPr>
+        </p:nvSpPr>
+        <p:spPr/>
+        <p:txBody>
+          <a:bodyPr/>
+          <a:lstStyle/>
+          <a:p>
+            <a:r>
+              <a:rPr lang="en-US" sz="2400" dirty="0"/>
+              <a:t>How Does BERT Answer Questions? A Layer-wise Analysis of Transformer Representations</a:t>
+            </a:r>
+            <a:br>
+              <a:rPr lang="en-GB" dirty="0"/>
+            </a:br>
+            <a:endParaRPr lang="en-GB" dirty="0"/>
+          </a:p>
+        </p:txBody>
+      </p:sp>
+      <p:sp>
+        <p:nvSpPr>
+          <p:cNvPr id="3" name="Subtitle 2">
+            <a:extLst>
+              <a:ext uri="{FF2B5EF4-FFF2-40B4-BE49-F238E27FC236}">
+                <a16:creationId xmlns:a16="http://schemas.microsoft.com/office/drawing/2014/main" id="{11442074-8D15-48F8-15E9-6972BD4D5AFC}"/>
+              </a:ext>
+            </a:extLst>
+          </p:cNvPr>
+          <p:cNvSpPr>
+            <a:spLocks noGrp="1"/>
+          </p:cNvSpPr>
+          <p:nvPr>
+            <p:ph idx="1"/>
+          </p:nvPr>
+        </p:nvSpPr>
+        <p:spPr/>
+        <p:txBody>
+          <a:bodyPr/>
+          <a:lstStyle/>
+          <a:p>
+            <a:r>
+              <a:rPr lang="en-US" dirty="0"/>
+              <a:t>Proposing a layer-wise visualization of token representations that reveals information about the internal state of Transformer networks</a:t>
+            </a:r>
+          </a:p>
+          <a:p>
+            <a:endParaRPr lang="en-US" dirty="0"/>
+          </a:p>
+          <a:p>
+            <a:r>
+              <a:rPr lang="en-US" dirty="0"/>
+              <a:t>A set of general NLP probing tasks were applied and extended by the QA-specific tasks of question type classification and supporting fact extraction</a:t>
+            </a:r>
+          </a:p>
+          <a:p>
+            <a:endParaRPr lang="en-US" dirty="0"/>
+          </a:p>
+          <a:p>
+            <a:r>
+              <a:rPr lang="en-US" dirty="0"/>
+              <a:t>The third contribution is to show that BERT’s layers go through similar phases even if fine-tuned on different tasks</a:t>
+            </a:r>
+            <a:endParaRPr lang="en-GB" dirty="0"/>
+          </a:p>
+        </p:txBody>
+      </p:sp>
+    </p:spTree>
+    <p:extLst>
+      <p:ext uri="{BB962C8B-B14F-4D97-AF65-F5344CB8AC3E}">
+        <p14:creationId xmlns:p14="http://schemas.microsoft.com/office/powerpoint/2010/main" val="2272507590"/>
+      </p:ext>
+    </p:extLst>
+  </p:cSld>
+  <p:clrMapOvr>
+    <a:masterClrMapping/>
+  </p:clrMapOvr>
+</p:sld>
+</file>
+
+<file path=ppt/slides/slide20.xml><?xml version="1.0" encoding="utf-8"?>
 <p:sld xmlns:a="http://schemas.openxmlformats.org/drawingml/2006/main" xmlns:r="http://schemas.openxmlformats.org/officeDocument/2006/relationships" xmlns:p="http://schemas.openxmlformats.org/presentationml/2006/main">
   <p:cSld>
     <p:spTree>
@@ -15247,7 +15693,7 @@
 </p:sld>
 </file>
 
-<file path=ppt/slides/slide19.xml><?xml version="1.0" encoding="utf-8"?>
+<file path=ppt/slides/slide21.xml><?xml version="1.0" encoding="utf-8"?>
 <p:sld xmlns:a="http://schemas.openxmlformats.org/drawingml/2006/main" xmlns:r="http://schemas.openxmlformats.org/officeDocument/2006/relationships" xmlns:p="http://schemas.openxmlformats.org/presentationml/2006/main">
   <p:cSld>
     <p:spTree>
@@ -15310,8 +15756,8 @@
           </a:p>
         </p:txBody>
       </p:sp>
-      <mc:AlternateContent xmlns:mc="http://schemas.openxmlformats.org/markup-compatibility/2006">
-        <mc:Choice xmlns:a14="http://schemas.microsoft.com/office/drawing/2010/main" Requires="a14">
+      <mc:AlternateContent xmlns:mc="http://schemas.openxmlformats.org/markup-compatibility/2006" xmlns:a14="http://schemas.microsoft.com/office/drawing/2010/main">
+        <mc:Choice Requires="a14">
           <p:sp>
             <p:nvSpPr>
               <p:cNvPr id="4" name="Subtitle 2">
@@ -15358,38 +15804,52 @@
                 <a14:m>
                   <m:oMath xmlns:m="http://schemas.openxmlformats.org/officeDocument/2006/math">
                     <m:r>
-                      <a:rPr lang="en-GB" b="1"/>
+                      <a:rPr lang="en-GB" b="1">
+                        <a:latin typeface="Cambria Math" panose="02040503050406030204" pitchFamily="18" charset="0"/>
+                      </a:rPr>
                       <m:t>𝑇</m:t>
                     </m:r>
                     <m:r>
-                      <a:rPr lang="en-GB" b="1"/>
+                      <a:rPr lang="en-GB" b="1">
+                        <a:latin typeface="Cambria Math" panose="02040503050406030204" pitchFamily="18" charset="0"/>
+                      </a:rPr>
                       <m:t>≈</m:t>
                     </m:r>
                     <m:sSup>
                       <m:sSupPr>
                         <m:ctrlPr>
-                          <a:rPr lang="ar-AE" b="1"/>
+                          <a:rPr lang="ar-AE" b="1" i="1">
+                            <a:latin typeface="Cambria Math" panose="02040503050406030204" pitchFamily="18" charset="0"/>
+                          </a:rPr>
                         </m:ctrlPr>
                       </m:sSupPr>
                       <m:e>
                         <m:r>
-                          <a:rPr lang="ar-AE" b="1"/>
+                          <a:rPr lang="ar-AE" b="1">
+                            <a:latin typeface="Cambria Math" panose="02040503050406030204" pitchFamily="18" charset="0"/>
+                          </a:rPr>
                           <m:t>𝐴</m:t>
                         </m:r>
                       </m:e>
                       <m:sup>
                         <m:r>
-                          <a:rPr lang="ar-AE" b="1"/>
+                          <a:rPr lang="ar-AE" b="1">
+                            <a:latin typeface="Cambria Math" panose="02040503050406030204" pitchFamily="18" charset="0"/>
+                          </a:rPr>
                           <m:t>+</m:t>
                         </m:r>
                       </m:sup>
                     </m:sSup>
                     <m:r>
-                      <a:rPr lang="ar-AE" b="1"/>
+                      <a:rPr lang="ar-AE" b="1">
+                        <a:latin typeface="Cambria Math" panose="02040503050406030204" pitchFamily="18" charset="0"/>
+                      </a:rPr>
                       <m:t>×</m:t>
                     </m:r>
                     <m:r>
-                      <a:rPr lang="ar-AE" b="1"/>
+                      <a:rPr lang="ar-AE" b="1">
+                        <a:latin typeface="Cambria Math" panose="02040503050406030204" pitchFamily="18" charset="0"/>
+                      </a:rPr>
                       <m:t>𝐵</m:t>
                     </m:r>
                   </m:oMath>
@@ -15412,18 +15872,24 @@
                     <m:sSup>
                       <m:sSupPr>
                         <m:ctrlPr>
-                          <a:rPr lang="ar-AE" b="1"/>
+                          <a:rPr lang="ar-AE" b="1" i="1">
+                            <a:latin typeface="Cambria Math" panose="02040503050406030204" pitchFamily="18" charset="0"/>
+                          </a:rPr>
                         </m:ctrlPr>
                       </m:sSupPr>
                       <m:e>
                         <m:r>
-                          <a:rPr lang="ar-AE" b="1"/>
+                          <a:rPr lang="ar-AE" b="1">
+                            <a:latin typeface="Cambria Math" panose="02040503050406030204" pitchFamily="18" charset="0"/>
+                          </a:rPr>
                           <m:t>𝐴</m:t>
                         </m:r>
                       </m:e>
                       <m:sup>
                         <m:r>
-                          <a:rPr lang="ar-AE" b="1"/>
+                          <a:rPr lang="ar-AE" b="1">
+                            <a:latin typeface="Cambria Math" panose="02040503050406030204" pitchFamily="18" charset="0"/>
+                          </a:rPr>
                           <m:t>+</m:t>
                         </m:r>
                       </m:sup>
@@ -15445,7 +15911,7 @@
             </p:txBody>
           </p:sp>
         </mc:Choice>
-        <mc:Fallback>
+        <mc:Fallback xmlns="">
           <p:sp>
             <p:nvSpPr>
               <p:cNvPr id="4" name="Subtitle 2">
@@ -15502,122 +15968,7 @@
 </p:sld>
 </file>
 
-<file path=ppt/slides/slide2.xml><?xml version="1.0" encoding="utf-8"?>
-<p:sld xmlns:a="http://schemas.openxmlformats.org/drawingml/2006/main" xmlns:r="http://schemas.openxmlformats.org/officeDocument/2006/relationships" xmlns:p="http://schemas.openxmlformats.org/presentationml/2006/main">
-  <p:cSld>
-    <p:spTree>
-      <p:nvGrpSpPr>
-        <p:cNvPr id="1" name="">
-          <a:extLst>
-            <a:ext uri="{FF2B5EF4-FFF2-40B4-BE49-F238E27FC236}">
-              <a16:creationId xmlns:a16="http://schemas.microsoft.com/office/drawing/2014/main" id="{26558402-64F7-4E10-CC3C-295AFE1678A6}"/>
-            </a:ext>
-          </a:extLst>
-        </p:cNvPr>
-        <p:cNvGrpSpPr/>
-        <p:nvPr/>
-      </p:nvGrpSpPr>
-      <p:grpSpPr>
-        <a:xfrm>
-          <a:off x="0" y="0"/>
-          <a:ext cx="0" cy="0"/>
-          <a:chOff x="0" y="0"/>
-          <a:chExt cx="0" cy="0"/>
-        </a:xfrm>
-      </p:grpSpPr>
-      <p:sp>
-        <p:nvSpPr>
-          <p:cNvPr id="2" name="Title 1">
-            <a:extLst>
-              <a:ext uri="{FF2B5EF4-FFF2-40B4-BE49-F238E27FC236}">
-                <a16:creationId xmlns:a16="http://schemas.microsoft.com/office/drawing/2014/main" id="{0C7FC174-B74D-93DE-D69A-0CC59ACD964F}"/>
-              </a:ext>
-            </a:extLst>
-          </p:cNvPr>
-          <p:cNvSpPr>
-            <a:spLocks noGrp="1"/>
-          </p:cNvSpPr>
-          <p:nvPr>
-            <p:ph type="title"/>
-          </p:nvPr>
-        </p:nvSpPr>
-        <p:spPr/>
-        <p:txBody>
-          <a:bodyPr/>
-          <a:lstStyle/>
-          <a:p>
-            <a:r>
-              <a:rPr lang="en-US" sz="2400" dirty="0"/>
-              <a:t>How Does BERT Answer Questions? A Layer-wise Analysis of Transformer Representations</a:t>
-            </a:r>
-            <a:br>
-              <a:rPr lang="en-GB" dirty="0"/>
-            </a:br>
-            <a:endParaRPr lang="en-GB" dirty="0"/>
-          </a:p>
-        </p:txBody>
-      </p:sp>
-      <p:sp>
-        <p:nvSpPr>
-          <p:cNvPr id="3" name="Subtitle 2">
-            <a:extLst>
-              <a:ext uri="{FF2B5EF4-FFF2-40B4-BE49-F238E27FC236}">
-                <a16:creationId xmlns:a16="http://schemas.microsoft.com/office/drawing/2014/main" id="{11442074-8D15-48F8-15E9-6972BD4D5AFC}"/>
-              </a:ext>
-            </a:extLst>
-          </p:cNvPr>
-          <p:cNvSpPr>
-            <a:spLocks noGrp="1"/>
-          </p:cNvSpPr>
-          <p:nvPr>
-            <p:ph idx="1"/>
-          </p:nvPr>
-        </p:nvSpPr>
-        <p:spPr/>
-        <p:txBody>
-          <a:bodyPr/>
-          <a:lstStyle/>
-          <a:p>
-            <a:r>
-              <a:rPr lang="en-US" dirty="0"/>
-              <a:t>Proposing a layer-wise visualization of token representations that reveals information about the internal state of Transformer networks</a:t>
-            </a:r>
-          </a:p>
-          <a:p>
-            <a:endParaRPr lang="en-US" dirty="0"/>
-          </a:p>
-          <a:p>
-            <a:r>
-              <a:rPr lang="en-US" dirty="0"/>
-              <a:t>A set of general NLP probing tasks were applied and extended by the QA-specific tasks of question type classification and supporting fact extraction</a:t>
-            </a:r>
-          </a:p>
-          <a:p>
-            <a:endParaRPr lang="en-US" dirty="0"/>
-          </a:p>
-          <a:p>
-            <a:r>
-              <a:rPr lang="en-US" dirty="0"/>
-              <a:t>The third contribution is to show that BERT’s layers go through similar phases even if fine-tuned on different tasks</a:t>
-            </a:r>
-            <a:endParaRPr lang="en-GB" dirty="0"/>
-          </a:p>
-        </p:txBody>
-      </p:sp>
-    </p:spTree>
-    <p:extLst>
-      <p:ext uri="{BB962C8B-B14F-4D97-AF65-F5344CB8AC3E}">
-        <p14:creationId xmlns:p14="http://schemas.microsoft.com/office/powerpoint/2010/main" val="2272507590"/>
-      </p:ext>
-    </p:extLst>
-  </p:cSld>
-  <p:clrMapOvr>
-    <a:masterClrMapping/>
-  </p:clrMapOvr>
-</p:sld>
-</file>
-
-<file path=ppt/slides/slide20.xml><?xml version="1.0" encoding="utf-8"?>
+<file path=ppt/slides/slide22.xml><?xml version="1.0" encoding="utf-8"?>
 <p:sld xmlns:a="http://schemas.openxmlformats.org/drawingml/2006/main" xmlns:r="http://schemas.openxmlformats.org/officeDocument/2006/relationships" xmlns:p="http://schemas.openxmlformats.org/presentationml/2006/main">
   <p:cSld>
     <p:spTree>
@@ -15823,7 +16174,7 @@
 </p:sld>
 </file>
 
-<file path=ppt/slides/slide21.xml><?xml version="1.0" encoding="utf-8"?>
+<file path=ppt/slides/slide23.xml><?xml version="1.0" encoding="utf-8"?>
 <p:sld xmlns:a="http://schemas.openxmlformats.org/drawingml/2006/main" xmlns:r="http://schemas.openxmlformats.org/officeDocument/2006/relationships" xmlns:p="http://schemas.openxmlformats.org/presentationml/2006/main">
   <p:cSld>
     <p:spTree>
@@ -16000,7 +16351,7 @@
 </p:sld>
 </file>
 
-<file path=ppt/slides/slide22.xml><?xml version="1.0" encoding="utf-8"?>
+<file path=ppt/slides/slide24.xml><?xml version="1.0" encoding="utf-8"?>
 <p:sld xmlns:a="http://schemas.openxmlformats.org/drawingml/2006/main" xmlns:r="http://schemas.openxmlformats.org/officeDocument/2006/relationships" xmlns:p="http://schemas.openxmlformats.org/presentationml/2006/main">
   <p:cSld>
     <p:spTree>
@@ -16162,7 +16513,7 @@
 </p:sld>
 </file>
 
-<file path=ppt/slides/slide23.xml><?xml version="1.0" encoding="utf-8"?>
+<file path=ppt/slides/slide25.xml><?xml version="1.0" encoding="utf-8"?>
 <p:sld xmlns:a="http://schemas.openxmlformats.org/drawingml/2006/main" xmlns:r="http://schemas.openxmlformats.org/officeDocument/2006/relationships" xmlns:p="http://schemas.openxmlformats.org/presentationml/2006/main">
   <p:cSld>
     <p:spTree>

--- a/PHD Progression 5.pptx
+++ b/PHD Progression 5.pptx
@@ -7,29 +7,27 @@
   <p:sldIdLst>
     <p:sldId id="256" r:id="rId2"/>
     <p:sldId id="257" r:id="rId3"/>
-    <p:sldId id="258" r:id="rId4"/>
-    <p:sldId id="260" r:id="rId5"/>
-    <p:sldId id="259" r:id="rId6"/>
-    <p:sldId id="261" r:id="rId7"/>
-    <p:sldId id="262" r:id="rId8"/>
-    <p:sldId id="263" r:id="rId9"/>
-    <p:sldId id="264" r:id="rId10"/>
-    <p:sldId id="266" r:id="rId11"/>
-    <p:sldId id="265" r:id="rId12"/>
-    <p:sldId id="279" r:id="rId13"/>
-    <p:sldId id="280" r:id="rId14"/>
-    <p:sldId id="267" r:id="rId15"/>
-    <p:sldId id="268" r:id="rId16"/>
-    <p:sldId id="269" r:id="rId17"/>
-    <p:sldId id="270" r:id="rId18"/>
-    <p:sldId id="271" r:id="rId19"/>
-    <p:sldId id="272" r:id="rId20"/>
-    <p:sldId id="273" r:id="rId21"/>
-    <p:sldId id="274" r:id="rId22"/>
-    <p:sldId id="275" r:id="rId23"/>
-    <p:sldId id="276" r:id="rId24"/>
-    <p:sldId id="277" r:id="rId25"/>
-    <p:sldId id="278" r:id="rId26"/>
+    <p:sldId id="260" r:id="rId4"/>
+    <p:sldId id="259" r:id="rId5"/>
+    <p:sldId id="262" r:id="rId6"/>
+    <p:sldId id="264" r:id="rId7"/>
+    <p:sldId id="266" r:id="rId8"/>
+    <p:sldId id="265" r:id="rId9"/>
+    <p:sldId id="279" r:id="rId10"/>
+    <p:sldId id="280" r:id="rId11"/>
+    <p:sldId id="267" r:id="rId12"/>
+    <p:sldId id="268" r:id="rId13"/>
+    <p:sldId id="269" r:id="rId14"/>
+    <p:sldId id="270" r:id="rId15"/>
+    <p:sldId id="271" r:id="rId16"/>
+    <p:sldId id="272" r:id="rId17"/>
+    <p:sldId id="273" r:id="rId18"/>
+    <p:sldId id="274" r:id="rId19"/>
+    <p:sldId id="275" r:id="rId20"/>
+    <p:sldId id="276" r:id="rId21"/>
+    <p:sldId id="277" r:id="rId22"/>
+    <p:sldId id="278" r:id="rId23"/>
+    <p:sldId id="281" r:id="rId24"/>
   </p:sldIdLst>
   <p:sldSz cx="12192000" cy="6858000"/>
   <p:notesSz cx="6858000" cy="9144000"/>
@@ -136,6 +134,15 @@
 </p:presentation>
 </file>
 
+<file path=ppt/revisionInfo.xml><?xml version="1.0" encoding="utf-8"?>
+<p1510:revInfo xmlns:a="http://schemas.openxmlformats.org/drawingml/2006/main" xmlns:r="http://schemas.openxmlformats.org/officeDocument/2006/relationships" xmlns:p1510="http://schemas.microsoft.com/office/powerpoint/2015/10/main">
+  <p1510:revLst>
+    <p1510:client id="{4A906D2E-2F2A-4ECB-9ED5-FBC836576C72}" v="24" dt="2025-12-12T12:42:42.056"/>
+    <p1510:client id="{81A4CB5D-AB4D-4C9D-9284-A0CFAE0E8D08}" v="200" dt="2025-12-12T13:24:42.211"/>
+  </p1510:revLst>
+</p1510:revInfo>
+</file>
+
 <file path=ppt/slideLayouts/slideLayout1.xml><?xml version="1.0" encoding="utf-8"?>
 <p:sldLayout xmlns:a="http://schemas.openxmlformats.org/drawingml/2006/main" xmlns:r="http://schemas.openxmlformats.org/officeDocument/2006/relationships" xmlns:p="http://schemas.openxmlformats.org/presentationml/2006/main" showMasterSp="0" type="title" preserve="1">
   <p:cSld name="Title Slide">
@@ -221,6 +228,13 @@
               <a:schemeClr val="lt1"/>
             </a:fontRef>
           </p:style>
+          <p:txBody>
+            <a:bodyPr/>
+            <a:lstStyle/>
+            <a:p>
+              <a:endParaRPr lang="en-GB"/>
+            </a:p>
+          </p:txBody>
         </p:sp>
         <p:sp>
           <p:nvSpPr>
@@ -285,6 +299,13 @@
               <a:noFill/>
             </a:ln>
           </p:spPr>
+          <p:txBody>
+            <a:bodyPr/>
+            <a:lstStyle/>
+            <a:p>
+              <a:endParaRPr lang="en-GB"/>
+            </a:p>
+          </p:txBody>
         </p:sp>
       </p:grpSp>
       <p:sp>
@@ -315,7 +336,6 @@
               <a:rPr lang="en-US"/>
               <a:t>Click to edit Master title style</a:t>
             </a:r>
-            <a:endParaRPr lang="en-US" dirty="0"/>
           </a:p>
         </p:txBody>
       </p:sp>
@@ -435,7 +455,6 @@
               <a:rPr lang="en-US"/>
               <a:t>Click to edit Master subtitle style</a:t>
             </a:r>
-            <a:endParaRPr lang="en-US" dirty="0"/>
           </a:p>
         </p:txBody>
       </p:sp>
@@ -471,7 +490,7 @@
           <a:p>
             <a:fld id="{501D569F-403D-4D8B-A270-78E243560B07}" type="datetimeFigureOut">
               <a:rPr lang="en-GB" smtClean="0"/>
-              <a:t>11/12/2025</a:t>
+              <a:t>12/12/2025</a:t>
             </a:fld>
             <a:endParaRPr lang="en-GB"/>
           </a:p>
@@ -546,6 +565,13 @@
             <a:schemeClr val="lt1"/>
           </a:fontRef>
         </p:style>
+        <p:txBody>
+          <a:bodyPr/>
+          <a:lstStyle/>
+          <a:p>
+            <a:endParaRPr lang="en-GB"/>
+          </a:p>
+        </p:txBody>
       </p:sp>
       <p:sp>
         <p:nvSpPr>
@@ -1385,7 +1411,6 @@
               <a:rPr lang="en-US"/>
               <a:t>Click to edit Master title style</a:t>
             </a:r>
-            <a:endParaRPr lang="en-US" dirty="0"/>
           </a:p>
         </p:txBody>
       </p:sp>
@@ -1464,7 +1489,6 @@
               <a:rPr lang="en-US"/>
               <a:t>Click icon to add picture</a:t>
             </a:r>
-            <a:endParaRPr lang="en-US" dirty="0"/>
           </a:p>
         </p:txBody>
       </p:sp>
@@ -1559,7 +1583,7 @@
           <a:p>
             <a:fld id="{501D569F-403D-4D8B-A270-78E243560B07}" type="datetimeFigureOut">
               <a:rPr lang="en-GB" smtClean="0"/>
-              <a:t>11/12/2025</a:t>
+              <a:t>12/12/2025</a:t>
             </a:fld>
             <a:endParaRPr lang="en-GB"/>
           </a:p>
@@ -2451,7 +2475,6 @@
               <a:rPr lang="en-US"/>
               <a:t>Click to edit Master title style</a:t>
             </a:r>
-            <a:endParaRPr lang="en-US" dirty="0"/>
           </a:p>
         </p:txBody>
       </p:sp>
@@ -2539,7 +2562,7 @@
           <a:p>
             <a:fld id="{501D569F-403D-4D8B-A270-78E243560B07}" type="datetimeFigureOut">
               <a:rPr lang="en-GB" smtClean="0"/>
-              <a:t>11/12/2025</a:t>
+              <a:t>12/12/2025</a:t>
             </a:fld>
             <a:endParaRPr lang="en-GB"/>
           </a:p>
@@ -3427,7 +3450,7 @@
           <a:p>
             <a:pPr algn="r"/>
             <a:r>
-              <a:rPr lang="en-US" sz="9600" b="0" i="0" dirty="0">
+              <a:rPr lang="en-US" sz="9600" b="0" i="0">
                 <a:solidFill>
                   <a:schemeClr val="accent1">
                     <a:lumMod val="60000"/>
@@ -3466,7 +3489,7 @@
           <a:p>
             <a:pPr algn="r"/>
             <a:r>
-              <a:rPr lang="en-US" sz="9600" b="0" i="0" dirty="0">
+              <a:rPr lang="en-US" sz="9600" b="0" i="0">
                 <a:solidFill>
                   <a:schemeClr val="accent1">
                     <a:lumMod val="60000"/>
@@ -3509,7 +3532,6 @@
               <a:rPr lang="en-US"/>
               <a:t>Click to edit Master title style</a:t>
             </a:r>
-            <a:endParaRPr lang="en-US" dirty="0"/>
           </a:p>
         </p:txBody>
       </p:sp>
@@ -3673,7 +3695,7 @@
           <a:p>
             <a:fld id="{501D569F-403D-4D8B-A270-78E243560B07}" type="datetimeFigureOut">
               <a:rPr lang="en-GB" smtClean="0"/>
-              <a:t>11/12/2025</a:t>
+              <a:t>12/12/2025</a:t>
             </a:fld>
             <a:endParaRPr lang="en-GB"/>
           </a:p>
@@ -4565,7 +4587,6 @@
               <a:rPr lang="en-US"/>
               <a:t>Click to edit Master title style</a:t>
             </a:r>
-            <a:endParaRPr lang="en-US" dirty="0"/>
           </a:p>
         </p:txBody>
       </p:sp>
@@ -4706,7 +4727,7 @@
           <a:p>
             <a:fld id="{501D569F-403D-4D8B-A270-78E243560B07}" type="datetimeFigureOut">
               <a:rPr lang="en-GB" smtClean="0"/>
-              <a:t>11/12/2025</a:t>
+              <a:t>12/12/2025</a:t>
             </a:fld>
             <a:endParaRPr lang="en-GB"/>
           </a:p>
@@ -4848,7 +4869,6 @@
               <a:rPr lang="en-US"/>
               <a:t>Click to edit Master title style</a:t>
             </a:r>
-            <a:endParaRPr lang="en-US" dirty="0"/>
           </a:p>
         </p:txBody>
       </p:sp>
@@ -5366,7 +5386,7 @@
           <a:p>
             <a:fld id="{501D569F-403D-4D8B-A270-78E243560B07}" type="datetimeFigureOut">
               <a:rPr lang="en-GB" smtClean="0"/>
-              <a:t>11/12/2025</a:t>
+              <a:t>12/12/2025</a:t>
             </a:fld>
             <a:endParaRPr lang="en-GB"/>
           </a:p>
@@ -5472,7 +5492,6 @@
               <a:rPr lang="en-US"/>
               <a:t>Click to edit Master title style</a:t>
             </a:r>
-            <a:endParaRPr lang="en-US" dirty="0"/>
           </a:p>
         </p:txBody>
       </p:sp>
@@ -5625,7 +5644,6 @@
               <a:rPr lang="en-US"/>
               <a:t>Click icon to add picture</a:t>
             </a:r>
-            <a:endParaRPr lang="en-US" dirty="0"/>
           </a:p>
         </p:txBody>
       </p:sp>
@@ -5845,7 +5863,6 @@
               <a:rPr lang="en-US"/>
               <a:t>Click icon to add picture</a:t>
             </a:r>
-            <a:endParaRPr lang="en-US" dirty="0"/>
           </a:p>
         </p:txBody>
       </p:sp>
@@ -6065,7 +6082,6 @@
               <a:rPr lang="en-US"/>
               <a:t>Click icon to add picture</a:t>
             </a:r>
-            <a:endParaRPr lang="en-US" dirty="0"/>
           </a:p>
         </p:txBody>
       </p:sp>
@@ -6227,7 +6243,7 @@
           <a:p>
             <a:fld id="{501D569F-403D-4D8B-A270-78E243560B07}" type="datetimeFigureOut">
               <a:rPr lang="en-GB" smtClean="0"/>
-              <a:t>11/12/2025</a:t>
+              <a:t>12/12/2025</a:t>
             </a:fld>
             <a:endParaRPr lang="en-GB"/>
           </a:p>
@@ -6334,7 +6350,6 @@
               <a:rPr lang="en-US"/>
               <a:t>Click to edit Master title style</a:t>
             </a:r>
-            <a:endParaRPr lang="en-US" dirty="0"/>
           </a:p>
         </p:txBody>
       </p:sp>
@@ -6391,7 +6406,6 @@
               <a:rPr lang="en-US"/>
               <a:t>Fifth level</a:t>
             </a:r>
-            <a:endParaRPr lang="en-US" dirty="0"/>
           </a:p>
         </p:txBody>
       </p:sp>
@@ -6417,7 +6431,7 @@
           <a:p>
             <a:fld id="{501D569F-403D-4D8B-A270-78E243560B07}" type="datetimeFigureOut">
               <a:rPr lang="en-GB" smtClean="0"/>
-              <a:t>11/12/2025</a:t>
+              <a:t>12/12/2025</a:t>
             </a:fld>
             <a:endParaRPr lang="en-GB"/>
           </a:p>
@@ -7306,7 +7320,6 @@
               <a:rPr lang="en-US"/>
               <a:t>Click to edit Master title style</a:t>
             </a:r>
-            <a:endParaRPr lang="en-US" dirty="0"/>
           </a:p>
         </p:txBody>
       </p:sp>
@@ -7363,7 +7376,6 @@
               <a:rPr lang="en-US"/>
               <a:t>Fifth level</a:t>
             </a:r>
-            <a:endParaRPr lang="en-US" dirty="0"/>
           </a:p>
         </p:txBody>
       </p:sp>
@@ -7389,7 +7401,7 @@
           <a:p>
             <a:fld id="{501D569F-403D-4D8B-A270-78E243560B07}" type="datetimeFigureOut">
               <a:rPr lang="en-GB" smtClean="0"/>
-              <a:t>11/12/2025</a:t>
+              <a:t>12/12/2025</a:t>
             </a:fld>
             <a:endParaRPr lang="en-GB"/>
           </a:p>
@@ -7522,7 +7534,6 @@
               <a:rPr lang="en-US"/>
               <a:t>Click to edit Master title style</a:t>
             </a:r>
-            <a:endParaRPr lang="en-US" dirty="0"/>
           </a:p>
         </p:txBody>
       </p:sp>
@@ -7579,7 +7590,6 @@
               <a:rPr lang="en-US"/>
               <a:t>Fifth level</a:t>
             </a:r>
-            <a:endParaRPr lang="en-US" dirty="0"/>
           </a:p>
         </p:txBody>
       </p:sp>
@@ -7600,7 +7610,7 @@
           <a:p>
             <a:fld id="{501D569F-403D-4D8B-A270-78E243560B07}" type="datetimeFigureOut">
               <a:rPr lang="en-GB" smtClean="0"/>
-              <a:t>11/12/2025</a:t>
+              <a:t>12/12/2025</a:t>
             </a:fld>
             <a:endParaRPr lang="en-GB"/>
           </a:p>
@@ -8493,7 +8503,6 @@
               <a:rPr lang="en-US"/>
               <a:t>Click to edit Master title style</a:t>
             </a:r>
-            <a:endParaRPr lang="en-US" dirty="0"/>
           </a:p>
         </p:txBody>
       </p:sp>
@@ -8634,7 +8643,7 @@
           <a:p>
             <a:fld id="{501D569F-403D-4D8B-A270-78E243560B07}" type="datetimeFigureOut">
               <a:rPr lang="en-GB" smtClean="0"/>
-              <a:t>11/12/2025</a:t>
+              <a:t>12/12/2025</a:t>
             </a:fld>
             <a:endParaRPr lang="en-GB"/>
           </a:p>
@@ -8767,7 +8776,6 @@
               <a:rPr lang="en-US"/>
               <a:t>Click to edit Master title style</a:t>
             </a:r>
-            <a:endParaRPr lang="en-US" dirty="0"/>
           </a:p>
         </p:txBody>
       </p:sp>
@@ -8826,7 +8834,6 @@
               <a:rPr lang="en-US"/>
               <a:t>Fifth level</a:t>
             </a:r>
-            <a:endParaRPr lang="en-US" dirty="0"/>
           </a:p>
         </p:txBody>
       </p:sp>
@@ -8885,7 +8892,6 @@
               <a:rPr lang="en-US"/>
               <a:t>Fifth level</a:t>
             </a:r>
-            <a:endParaRPr lang="en-US" dirty="0"/>
           </a:p>
         </p:txBody>
       </p:sp>
@@ -8906,7 +8912,7 @@
           <a:p>
             <a:fld id="{501D569F-403D-4D8B-A270-78E243560B07}" type="datetimeFigureOut">
               <a:rPr lang="en-GB" smtClean="0"/>
-              <a:t>11/12/2025</a:t>
+              <a:t>12/12/2025</a:t>
             </a:fld>
             <a:endParaRPr lang="en-GB"/>
           </a:p>
@@ -9007,7 +9013,6 @@
               <a:rPr lang="en-US"/>
               <a:t>Click to edit Master title style</a:t>
             </a:r>
-            <a:endParaRPr lang="en-US" dirty="0"/>
           </a:p>
         </p:txBody>
       </p:sp>
@@ -9137,7 +9142,6 @@
               <a:rPr lang="en-US"/>
               <a:t>Fifth level</a:t>
             </a:r>
-            <a:endParaRPr lang="en-US" dirty="0"/>
           </a:p>
         </p:txBody>
       </p:sp>
@@ -9295,7 +9299,6 @@
               <a:rPr lang="en-US"/>
               <a:t>Fifth level</a:t>
             </a:r>
-            <a:endParaRPr lang="en-US" dirty="0"/>
           </a:p>
         </p:txBody>
       </p:sp>
@@ -9316,7 +9319,7 @@
           <a:p>
             <a:fld id="{501D569F-403D-4D8B-A270-78E243560B07}" type="datetimeFigureOut">
               <a:rPr lang="en-GB" smtClean="0"/>
-              <a:t>11/12/2025</a:t>
+              <a:t>12/12/2025</a:t>
             </a:fld>
             <a:endParaRPr lang="en-GB"/>
           </a:p>
@@ -9422,7 +9425,6 @@
               <a:rPr lang="en-US"/>
               <a:t>Click to edit Master title style</a:t>
             </a:r>
-            <a:endParaRPr lang="en-US" dirty="0"/>
           </a:p>
         </p:txBody>
       </p:sp>
@@ -9443,7 +9445,7 @@
           <a:p>
             <a:fld id="{501D569F-403D-4D8B-A270-78E243560B07}" type="datetimeFigureOut">
               <a:rPr lang="en-GB" smtClean="0"/>
-              <a:t>11/12/2025</a:t>
+              <a:t>12/12/2025</a:t>
             </a:fld>
             <a:endParaRPr lang="en-GB"/>
           </a:p>
@@ -9538,7 +9540,7 @@
           <a:p>
             <a:fld id="{501D569F-403D-4D8B-A270-78E243560B07}" type="datetimeFigureOut">
               <a:rPr lang="en-GB" smtClean="0"/>
-              <a:t>11/12/2025</a:t>
+              <a:t>12/12/2025</a:t>
             </a:fld>
             <a:endParaRPr lang="en-GB"/>
           </a:p>
@@ -10467,7 +10469,6 @@
               <a:rPr lang="en-US"/>
               <a:t>Click to edit Master title style</a:t>
             </a:r>
-            <a:endParaRPr lang="en-US" dirty="0"/>
           </a:p>
         </p:txBody>
       </p:sp>
@@ -10526,7 +10527,6 @@
               <a:rPr lang="en-US"/>
               <a:t>Fifth level</a:t>
             </a:r>
-            <a:endParaRPr lang="en-US" dirty="0"/>
           </a:p>
         </p:txBody>
       </p:sp>
@@ -10619,7 +10619,7 @@
           <a:p>
             <a:fld id="{501D569F-403D-4D8B-A270-78E243560B07}" type="datetimeFigureOut">
               <a:rPr lang="en-GB" smtClean="0"/>
-              <a:t>11/12/2025</a:t>
+              <a:t>12/12/2025</a:t>
             </a:fld>
             <a:endParaRPr lang="en-GB"/>
           </a:p>
@@ -11550,7 +11550,6 @@
               <a:rPr lang="en-US"/>
               <a:t>Click to edit Master title style</a:t>
             </a:r>
-            <a:endParaRPr lang="en-US" dirty="0"/>
           </a:p>
         </p:txBody>
       </p:sp>
@@ -11632,7 +11631,6 @@
               <a:rPr lang="en-US"/>
               <a:t>Click icon to add picture</a:t>
             </a:r>
-            <a:endParaRPr lang="en-US" dirty="0"/>
           </a:p>
         </p:txBody>
       </p:sp>
@@ -11727,7 +11725,7 @@
           <a:p>
             <a:fld id="{501D569F-403D-4D8B-A270-78E243560B07}" type="datetimeFigureOut">
               <a:rPr lang="en-GB" smtClean="0"/>
-              <a:t>11/12/2025</a:t>
+              <a:t>12/12/2025</a:t>
             </a:fld>
             <a:endParaRPr lang="en-GB"/>
           </a:p>
@@ -11914,6 +11912,13 @@
               <a:schemeClr val="lt1"/>
             </a:fontRef>
           </p:style>
+          <p:txBody>
+            <a:bodyPr/>
+            <a:lstStyle/>
+            <a:p>
+              <a:endParaRPr lang="en-GB"/>
+            </a:p>
+          </p:txBody>
         </p:sp>
         <p:sp>
           <p:nvSpPr>
@@ -11971,6 +11976,13 @@
               <a:schemeClr val="lt1"/>
             </a:fontRef>
           </p:style>
+          <p:txBody>
+            <a:bodyPr/>
+            <a:lstStyle/>
+            <a:p>
+              <a:endParaRPr lang="en-GB"/>
+            </a:p>
+          </p:txBody>
         </p:sp>
         <p:sp>
           <p:nvSpPr>
@@ -12028,6 +12040,13 @@
               <a:schemeClr val="lt1"/>
             </a:fontRef>
           </p:style>
+          <p:txBody>
+            <a:bodyPr/>
+            <a:lstStyle/>
+            <a:p>
+              <a:endParaRPr lang="en-GB"/>
+            </a:p>
+          </p:txBody>
         </p:sp>
         <p:sp>
           <p:nvSpPr>
@@ -12085,6 +12104,13 @@
               <a:schemeClr val="lt1"/>
             </a:fontRef>
           </p:style>
+          <p:txBody>
+            <a:bodyPr/>
+            <a:lstStyle/>
+            <a:p>
+              <a:endParaRPr lang="en-GB"/>
+            </a:p>
+          </p:txBody>
         </p:sp>
         <p:sp>
           <p:nvSpPr>
@@ -12142,6 +12168,13 @@
               <a:schemeClr val="lt1"/>
             </a:fontRef>
           </p:style>
+          <p:txBody>
+            <a:bodyPr/>
+            <a:lstStyle/>
+            <a:p>
+              <a:endParaRPr lang="en-GB"/>
+            </a:p>
+          </p:txBody>
         </p:sp>
         <p:sp>
           <p:nvSpPr>
@@ -12199,6 +12232,13 @@
               <a:schemeClr val="lt1"/>
             </a:fontRef>
           </p:style>
+          <p:txBody>
+            <a:bodyPr/>
+            <a:lstStyle/>
+            <a:p>
+              <a:endParaRPr lang="en-GB"/>
+            </a:p>
+          </p:txBody>
         </p:sp>
         <p:sp>
           <p:nvSpPr>
@@ -12346,6 +12386,13 @@
               <a:noFill/>
             </a:ln>
           </p:spPr>
+          <p:txBody>
+            <a:bodyPr/>
+            <a:lstStyle/>
+            <a:p>
+              <a:endParaRPr lang="en-GB"/>
+            </a:p>
+          </p:txBody>
         </p:sp>
         <p:sp>
           <p:nvSpPr>
@@ -12530,6 +12577,13 @@
               <a:noFill/>
             </a:ln>
           </p:spPr>
+          <p:txBody>
+            <a:bodyPr/>
+            <a:lstStyle/>
+            <a:p>
+              <a:endParaRPr lang="en-GB"/>
+            </a:p>
+          </p:txBody>
         </p:sp>
         <p:sp>
           <p:nvSpPr>
@@ -12594,6 +12648,13 @@
               <a:noFill/>
             </a:ln>
           </p:spPr>
+          <p:txBody>
+            <a:bodyPr/>
+            <a:lstStyle/>
+            <a:p>
+              <a:endParaRPr lang="en-GB"/>
+            </a:p>
+          </p:txBody>
         </p:sp>
       </p:grpSp>
       <p:sp>
@@ -12625,7 +12686,6 @@
               <a:rPr lang="en-US"/>
               <a:t>Click to edit Master title style</a:t>
             </a:r>
-            <a:endParaRPr lang="en-US" dirty="0"/>
           </a:p>
         </p:txBody>
       </p:sp>
@@ -12687,7 +12747,6 @@
               <a:rPr lang="en-US"/>
               <a:t>Fifth level</a:t>
             </a:r>
-            <a:endParaRPr lang="en-US" dirty="0"/>
           </a:p>
         </p:txBody>
       </p:sp>
@@ -12724,7 +12783,7 @@
           <a:p>
             <a:fld id="{501D569F-403D-4D8B-A270-78E243560B07}" type="datetimeFigureOut">
               <a:rPr lang="en-GB" smtClean="0"/>
-              <a:t>11/12/2025</a:t>
+              <a:t>12/12/2025</a:t>
             </a:fld>
             <a:endParaRPr lang="en-GB"/>
           </a:p>
@@ -12800,6 +12859,13 @@
             <a:schemeClr val="lt1"/>
           </a:fontRef>
         </p:style>
+        <p:txBody>
+          <a:bodyPr/>
+          <a:lstStyle/>
+          <a:p>
+            <a:endParaRPr lang="en-GB"/>
+          </a:p>
+        </p:txBody>
       </p:sp>
       <p:sp>
         <p:nvSpPr>
@@ -13305,10 +13371,10 @@
           <a:lstStyle/>
           <a:p>
             <a:r>
-              <a:rPr lang="en-US" dirty="0"/>
+              <a:rPr lang="en-US"/>
               <a:t>PHD Progression 5</a:t>
             </a:r>
-            <a:endParaRPr lang="en-GB" dirty="0"/>
+            <a:endParaRPr lang="en-GB"/>
           </a:p>
         </p:txBody>
       </p:sp>
@@ -13334,10 +13400,10 @@
           <a:lstStyle/>
           <a:p>
             <a:r>
-              <a:rPr lang="en-US" dirty="0"/>
+              <a:rPr lang="en-US"/>
               <a:t>Explainable AI with visual analytics</a:t>
             </a:r>
-            <a:endParaRPr lang="en-GB" dirty="0"/>
+            <a:endParaRPr lang="en-GB"/>
           </a:p>
         </p:txBody>
       </p:sp>
@@ -13355,351 +13421,6 @@
 </file>
 
 <file path=ppt/slides/slide10.xml><?xml version="1.0" encoding="utf-8"?>
-<p:sld xmlns:a="http://schemas.openxmlformats.org/drawingml/2006/main" xmlns:r="http://schemas.openxmlformats.org/officeDocument/2006/relationships" xmlns:p="http://schemas.openxmlformats.org/presentationml/2006/main">
-  <p:cSld>
-    <p:spTree>
-      <p:nvGrpSpPr>
-        <p:cNvPr id="1" name="">
-          <a:extLst>
-            <a:ext uri="{FF2B5EF4-FFF2-40B4-BE49-F238E27FC236}">
-              <a16:creationId xmlns:a16="http://schemas.microsoft.com/office/drawing/2014/main" id="{ADFBDCF1-0CAD-99CB-04EF-4912E4493CC6}"/>
-            </a:ext>
-          </a:extLst>
-        </p:cNvPr>
-        <p:cNvGrpSpPr/>
-        <p:nvPr/>
-      </p:nvGrpSpPr>
-      <p:grpSpPr>
-        <a:xfrm>
-          <a:off x="0" y="0"/>
-          <a:ext cx="0" cy="0"/>
-          <a:chOff x="0" y="0"/>
-          <a:chExt cx="0" cy="0"/>
-        </a:xfrm>
-      </p:grpSpPr>
-      <p:sp>
-        <p:nvSpPr>
-          <p:cNvPr id="2" name="Title 1">
-            <a:extLst>
-              <a:ext uri="{FF2B5EF4-FFF2-40B4-BE49-F238E27FC236}">
-                <a16:creationId xmlns:a16="http://schemas.microsoft.com/office/drawing/2014/main" id="{1E84849A-03CF-BA6C-DB21-3B091D9AA7D3}"/>
-              </a:ext>
-            </a:extLst>
-          </p:cNvPr>
-          <p:cNvSpPr>
-            <a:spLocks noGrp="1"/>
-          </p:cNvSpPr>
-          <p:nvPr>
-            <p:ph type="title"/>
-          </p:nvPr>
-        </p:nvSpPr>
-        <p:spPr/>
-        <p:txBody>
-          <a:bodyPr/>
-          <a:lstStyle/>
-          <a:p>
-            <a:r>
-              <a:rPr lang="en-GB" dirty="0"/>
-              <a:t>Results</a:t>
-            </a:r>
-            <a:br>
-              <a:rPr lang="en-GB" dirty="0"/>
-            </a:br>
-            <a:endParaRPr lang="en-GB" dirty="0"/>
-          </a:p>
-        </p:txBody>
-      </p:sp>
-      <p:sp>
-        <p:nvSpPr>
-          <p:cNvPr id="3" name="Subtitle 2">
-            <a:extLst>
-              <a:ext uri="{FF2B5EF4-FFF2-40B4-BE49-F238E27FC236}">
-                <a16:creationId xmlns:a16="http://schemas.microsoft.com/office/drawing/2014/main" id="{DF5B3F99-180E-0980-5F5A-9CA27E763146}"/>
-              </a:ext>
-            </a:extLst>
-          </p:cNvPr>
-          <p:cNvSpPr>
-            <a:spLocks noGrp="1"/>
-          </p:cNvSpPr>
-          <p:nvPr>
-            <p:ph idx="1"/>
-          </p:nvPr>
-        </p:nvSpPr>
-        <p:spPr>
-          <a:xfrm>
-            <a:off x="95517" y="2285999"/>
-            <a:ext cx="11225013" cy="4572001"/>
-          </a:xfrm>
-        </p:spPr>
-        <p:txBody>
-          <a:bodyPr>
-            <a:normAutofit/>
-          </a:bodyPr>
-          <a:lstStyle/>
-          <a:p>
-            <a:r>
-              <a:rPr lang="en-US" b="1" dirty="0"/>
-              <a:t>Semantic Clustering: </a:t>
-            </a:r>
-            <a:r>
-              <a:rPr lang="en-US" dirty="0"/>
-              <a:t>Early layers within BERT-based models group tokens into topical clusters. This clustering still holds little task-specific information.</a:t>
-            </a:r>
-          </a:p>
-          <a:p>
-            <a:endParaRPr lang="en-US" b="1" dirty="0"/>
-          </a:p>
-          <a:p>
-            <a:r>
-              <a:rPr lang="en-US" b="1" dirty="0"/>
-              <a:t>Connecting Entities with Mentions and Attributes:</a:t>
-            </a:r>
-            <a:r>
-              <a:rPr lang="en-US" dirty="0"/>
-              <a:t> In the middle layer, clustering is less connected by their topical similarities. Tokens are connected by their relation to certain input contexts.</a:t>
-            </a:r>
-          </a:p>
-          <a:p>
-            <a:endParaRPr lang="en-US" b="1" dirty="0"/>
-          </a:p>
-          <a:p>
-            <a:r>
-              <a:rPr lang="en-US" b="1" dirty="0"/>
-              <a:t>Matching Questions with Supporting Facts: </a:t>
-            </a:r>
-            <a:r>
-              <a:rPr lang="en-US" dirty="0"/>
-              <a:t>Identifying relevant parts of the context is crucial for QA and information retrieval. BERT performs this task by transforming the tokens so that question tokens are matched onto relevant tokens.</a:t>
-            </a:r>
-          </a:p>
-          <a:p>
-            <a:endParaRPr lang="en-US" b="1" dirty="0"/>
-          </a:p>
-          <a:p>
-            <a:r>
-              <a:rPr lang="en-US" b="1" dirty="0"/>
-              <a:t>Answer Extraction: </a:t>
-            </a:r>
-            <a:r>
-              <a:rPr lang="en-US" dirty="0"/>
-              <a:t>In the last network layers, the model dissolves most of the previous clusters. It then separates the correct answer token, and sometimes other possible candidates, from the rest of the tokens.</a:t>
-            </a:r>
-          </a:p>
-          <a:p>
-            <a:endParaRPr lang="en-GB" dirty="0"/>
-          </a:p>
-        </p:txBody>
-      </p:sp>
-    </p:spTree>
-    <p:extLst>
-      <p:ext uri="{BB962C8B-B14F-4D97-AF65-F5344CB8AC3E}">
-        <p14:creationId xmlns:p14="http://schemas.microsoft.com/office/powerpoint/2010/main" val="3817686245"/>
-      </p:ext>
-    </p:extLst>
-  </p:cSld>
-  <p:clrMapOvr>
-    <a:masterClrMapping/>
-  </p:clrMapOvr>
-</p:sld>
-</file>
-
-<file path=ppt/slides/slide11.xml><?xml version="1.0" encoding="utf-8"?>
-<p:sld xmlns:a="http://schemas.openxmlformats.org/drawingml/2006/main" xmlns:r="http://schemas.openxmlformats.org/officeDocument/2006/relationships" xmlns:p="http://schemas.openxmlformats.org/presentationml/2006/main">
-  <p:cSld>
-    <p:spTree>
-      <p:nvGrpSpPr>
-        <p:cNvPr id="1" name="">
-          <a:extLst>
-            <a:ext uri="{FF2B5EF4-FFF2-40B4-BE49-F238E27FC236}">
-              <a16:creationId xmlns:a16="http://schemas.microsoft.com/office/drawing/2014/main" id="{F014EFF6-FA8C-525F-199E-FAC1E99C2B9A}"/>
-            </a:ext>
-          </a:extLst>
-        </p:cNvPr>
-        <p:cNvGrpSpPr/>
-        <p:nvPr/>
-      </p:nvGrpSpPr>
-      <p:grpSpPr>
-        <a:xfrm>
-          <a:off x="0" y="0"/>
-          <a:ext cx="0" cy="0"/>
-          <a:chOff x="0" y="0"/>
-          <a:chExt cx="0" cy="0"/>
-        </a:xfrm>
-      </p:grpSpPr>
-      <p:sp>
-        <p:nvSpPr>
-          <p:cNvPr id="2" name="Title 1">
-            <a:extLst>
-              <a:ext uri="{FF2B5EF4-FFF2-40B4-BE49-F238E27FC236}">
-                <a16:creationId xmlns:a16="http://schemas.microsoft.com/office/drawing/2014/main" id="{EFB09E3E-0C8E-ADCF-DEFB-0E9E3D7CE861}"/>
-              </a:ext>
-            </a:extLst>
-          </p:cNvPr>
-          <p:cNvSpPr>
-            <a:spLocks noGrp="1"/>
-          </p:cNvSpPr>
-          <p:nvPr>
-            <p:ph type="title"/>
-          </p:nvPr>
-        </p:nvSpPr>
-        <p:spPr/>
-        <p:txBody>
-          <a:bodyPr/>
-          <a:lstStyle/>
-          <a:p>
-            <a:r>
-              <a:rPr lang="en-GB" dirty="0"/>
-              <a:t>Results</a:t>
-            </a:r>
-            <a:br>
-              <a:rPr lang="en-GB" dirty="0"/>
-            </a:br>
-            <a:endParaRPr lang="en-GB" dirty="0"/>
-          </a:p>
-        </p:txBody>
-      </p:sp>
-      <p:pic>
-        <p:nvPicPr>
-          <p:cNvPr id="6" name="Picture 5">
-            <a:extLst>
-              <a:ext uri="{FF2B5EF4-FFF2-40B4-BE49-F238E27FC236}">
-                <a16:creationId xmlns:a16="http://schemas.microsoft.com/office/drawing/2014/main" id="{43FAAA3C-C73A-36DC-0D2A-24301786D36F}"/>
-              </a:ext>
-            </a:extLst>
-          </p:cNvPr>
-          <p:cNvPicPr>
-            <a:picLocks noChangeAspect="1"/>
-          </p:cNvPicPr>
-          <p:nvPr/>
-        </p:nvPicPr>
-        <p:blipFill>
-          <a:blip r:embed="rId2"/>
-          <a:stretch>
-            <a:fillRect/>
-          </a:stretch>
-        </p:blipFill>
-        <p:spPr>
-          <a:xfrm>
-            <a:off x="0" y="1327150"/>
-            <a:ext cx="12191999" cy="5434258"/>
-          </a:xfrm>
-          <a:prstGeom prst="rect">
-            <a:avLst/>
-          </a:prstGeom>
-        </p:spPr>
-      </p:pic>
-    </p:spTree>
-    <p:extLst>
-      <p:ext uri="{BB962C8B-B14F-4D97-AF65-F5344CB8AC3E}">
-        <p14:creationId xmlns:p14="http://schemas.microsoft.com/office/powerpoint/2010/main" val="2931374799"/>
-      </p:ext>
-    </p:extLst>
-  </p:cSld>
-  <p:clrMapOvr>
-    <a:masterClrMapping/>
-  </p:clrMapOvr>
-</p:sld>
-</file>
-
-<file path=ppt/slides/slide12.xml><?xml version="1.0" encoding="utf-8"?>
-<p:sld xmlns:a="http://schemas.openxmlformats.org/drawingml/2006/main" xmlns:r="http://schemas.openxmlformats.org/officeDocument/2006/relationships" xmlns:p="http://schemas.openxmlformats.org/presentationml/2006/main">
-  <p:cSld>
-    <p:spTree>
-      <p:nvGrpSpPr>
-        <p:cNvPr id="1" name="">
-          <a:extLst>
-            <a:ext uri="{FF2B5EF4-FFF2-40B4-BE49-F238E27FC236}">
-              <a16:creationId xmlns:a16="http://schemas.microsoft.com/office/drawing/2014/main" id="{C732ED06-65CF-5563-6EAD-1B047E61ED80}"/>
-            </a:ext>
-          </a:extLst>
-        </p:cNvPr>
-        <p:cNvGrpSpPr/>
-        <p:nvPr/>
-      </p:nvGrpSpPr>
-      <p:grpSpPr>
-        <a:xfrm>
-          <a:off x="0" y="0"/>
-          <a:ext cx="0" cy="0"/>
-          <a:chOff x="0" y="0"/>
-          <a:chExt cx="0" cy="0"/>
-        </a:xfrm>
-      </p:grpSpPr>
-      <p:sp>
-        <p:nvSpPr>
-          <p:cNvPr id="2" name="Title 1">
-            <a:extLst>
-              <a:ext uri="{FF2B5EF4-FFF2-40B4-BE49-F238E27FC236}">
-                <a16:creationId xmlns:a16="http://schemas.microsoft.com/office/drawing/2014/main" id="{82D7FA52-8950-AC56-1637-73ACBB152EF1}"/>
-              </a:ext>
-            </a:extLst>
-          </p:cNvPr>
-          <p:cNvSpPr>
-            <a:spLocks noGrp="1"/>
-          </p:cNvSpPr>
-          <p:nvPr>
-            <p:ph type="title"/>
-          </p:nvPr>
-        </p:nvSpPr>
-        <p:spPr/>
-        <p:txBody>
-          <a:bodyPr/>
-          <a:lstStyle/>
-          <a:p>
-            <a:r>
-              <a:rPr lang="en-GB" dirty="0"/>
-              <a:t>Results</a:t>
-            </a:r>
-            <a:br>
-              <a:rPr lang="en-GB" dirty="0"/>
-            </a:br>
-            <a:endParaRPr lang="en-GB" dirty="0"/>
-          </a:p>
-        </p:txBody>
-      </p:sp>
-      <p:pic>
-        <p:nvPicPr>
-          <p:cNvPr id="4" name="Picture 3">
-            <a:extLst>
-              <a:ext uri="{FF2B5EF4-FFF2-40B4-BE49-F238E27FC236}">
-                <a16:creationId xmlns:a16="http://schemas.microsoft.com/office/drawing/2014/main" id="{79389FF6-1485-D436-CE6E-C7C8837A7694}"/>
-              </a:ext>
-            </a:extLst>
-          </p:cNvPr>
-          <p:cNvPicPr>
-            <a:picLocks noChangeAspect="1"/>
-          </p:cNvPicPr>
-          <p:nvPr/>
-        </p:nvPicPr>
-        <p:blipFill>
-          <a:blip r:embed="rId2"/>
-          <a:stretch>
-            <a:fillRect/>
-          </a:stretch>
-        </p:blipFill>
-        <p:spPr>
-          <a:xfrm>
-            <a:off x="463638" y="1867436"/>
-            <a:ext cx="11217499" cy="4990563"/>
-          </a:xfrm>
-          <a:prstGeom prst="rect">
-            <a:avLst/>
-          </a:prstGeom>
-        </p:spPr>
-      </p:pic>
-    </p:spTree>
-    <p:extLst>
-      <p:ext uri="{BB962C8B-B14F-4D97-AF65-F5344CB8AC3E}">
-        <p14:creationId xmlns:p14="http://schemas.microsoft.com/office/powerpoint/2010/main" val="3429275887"/>
-      </p:ext>
-    </p:extLst>
-  </p:cSld>
-  <p:clrMapOvr>
-    <a:masterClrMapping/>
-  </p:clrMapOvr>
-</p:sld>
-</file>
-
-<file path=ppt/slides/slide13.xml><?xml version="1.0" encoding="utf-8"?>
 <p:sld xmlns:a="http://schemas.openxmlformats.org/drawingml/2006/main" xmlns:r="http://schemas.openxmlformats.org/officeDocument/2006/relationships" xmlns:p="http://schemas.openxmlformats.org/presentationml/2006/main">
   <p:cSld>
     <p:spTree>
@@ -13744,13 +13465,13 @@
           <a:lstStyle/>
           <a:p>
             <a:r>
-              <a:rPr lang="en-GB" dirty="0"/>
+              <a:rPr lang="en-GB"/>
               <a:t>Results</a:t>
             </a:r>
             <a:br>
-              <a:rPr lang="en-GB" dirty="0"/>
+              <a:rPr lang="en-GB"/>
             </a:br>
-            <a:endParaRPr lang="en-GB" dirty="0"/>
+            <a:endParaRPr lang="en-GB"/>
           </a:p>
         </p:txBody>
       </p:sp>
@@ -13797,7 +13518,7 @@
 </p:sld>
 </file>
 
-<file path=ppt/slides/slide14.xml><?xml version="1.0" encoding="utf-8"?>
+<file path=ppt/slides/slide11.xml><?xml version="1.0" encoding="utf-8"?>
 <p:sld xmlns:a="http://schemas.openxmlformats.org/drawingml/2006/main" xmlns:r="http://schemas.openxmlformats.org/officeDocument/2006/relationships" xmlns:p="http://schemas.openxmlformats.org/presentationml/2006/main">
   <p:cSld>
     <p:spTree>
@@ -13842,13 +13563,13 @@
           <a:lstStyle/>
           <a:p>
             <a:r>
-              <a:rPr lang="en-GB" dirty="0"/>
+              <a:rPr lang="en-GB"/>
               <a:t>Results</a:t>
             </a:r>
             <a:br>
-              <a:rPr lang="en-GB" dirty="0"/>
+              <a:rPr lang="en-GB"/>
             </a:br>
-            <a:endParaRPr lang="en-GB" dirty="0"/>
+            <a:endParaRPr lang="en-GB"/>
           </a:p>
         </p:txBody>
       </p:sp>
@@ -13881,57 +13602,57 @@
           <a:lstStyle/>
           <a:p>
             <a:r>
-              <a:rPr lang="en-US" sz="2400" b="1" dirty="0"/>
+              <a:rPr lang="en-US" sz="2400" b="1"/>
               <a:t>Comparison to GPT-2 </a:t>
             </a:r>
           </a:p>
           <a:p>
-            <a:endParaRPr lang="en-US" sz="2400" dirty="0"/>
-          </a:p>
-          <a:p>
-            <a:r>
-              <a:rPr lang="en-US" sz="2400" dirty="0"/>
+            <a:endParaRPr lang="en-US" sz="2400"/>
+          </a:p>
+          <a:p>
+            <a:r>
+              <a:rPr lang="en-US" sz="2400"/>
               <a:t>Both give particular attention to the first token sequence</a:t>
             </a:r>
           </a:p>
           <a:p>
-            <a:endParaRPr lang="en-US" sz="2400" dirty="0"/>
-          </a:p>
-          <a:p>
-            <a:r>
-              <a:rPr lang="en-US" sz="2400" dirty="0"/>
+            <a:endParaRPr lang="en-US" sz="2400"/>
+          </a:p>
+          <a:p>
+            <a:r>
+              <a:rPr lang="en-US" sz="2400"/>
               <a:t>Attention is given to the first token in every layer, except for the Embedding layer, the first transformer block, and the last one.</a:t>
             </a:r>
           </a:p>
           <a:p>
-            <a:endParaRPr lang="en-US" sz="2400" dirty="0"/>
-          </a:p>
-          <a:p>
-            <a:r>
-              <a:rPr lang="en-US" sz="2400" dirty="0"/>
+            <a:endParaRPr lang="en-US" sz="2400"/>
+          </a:p>
+          <a:p>
+            <a:r>
+              <a:rPr lang="en-US" sz="2400"/>
               <a:t>separates the relevant supporting Facts and the question in the vector space</a:t>
             </a:r>
           </a:p>
           <a:p>
-            <a:endParaRPr lang="en-US" sz="2400" dirty="0"/>
-          </a:p>
-          <a:p>
-            <a:r>
-              <a:rPr lang="en-US" sz="2400" dirty="0"/>
+            <a:endParaRPr lang="en-US" sz="2400"/>
+          </a:p>
+          <a:p>
+            <a:r>
+              <a:rPr lang="en-US" sz="2400"/>
               <a:t>Unlike BERT the final answer is not separated but left as part of the sentence</a:t>
             </a:r>
           </a:p>
           <a:p>
-            <a:endParaRPr lang="en-US" sz="2400" dirty="0"/>
-          </a:p>
-          <a:p>
-            <a:r>
-              <a:rPr lang="en-US" sz="2400" dirty="0"/>
+            <a:endParaRPr lang="en-US" sz="2400"/>
+          </a:p>
+          <a:p>
+            <a:r>
+              <a:rPr lang="en-US" sz="2400"/>
               <a:t>Possible future research can be done to further probe GPT-2</a:t>
             </a:r>
           </a:p>
           <a:p>
-            <a:endParaRPr lang="en-GB" dirty="0"/>
+            <a:endParaRPr lang="en-GB"/>
           </a:p>
         </p:txBody>
       </p:sp>
@@ -13948,7 +13669,7 @@
 </p:sld>
 </file>
 
-<file path=ppt/slides/slide15.xml><?xml version="1.0" encoding="utf-8"?>
+<file path=ppt/slides/slide12.xml><?xml version="1.0" encoding="utf-8"?>
 <p:sld xmlns:a="http://schemas.openxmlformats.org/drawingml/2006/main" xmlns:r="http://schemas.openxmlformats.org/officeDocument/2006/relationships" xmlns:p="http://schemas.openxmlformats.org/presentationml/2006/main">
   <p:cSld>
     <p:spTree>
@@ -13993,13 +13714,13 @@
           <a:lstStyle/>
           <a:p>
             <a:r>
-              <a:rPr lang="en-GB" dirty="0"/>
+              <a:rPr lang="en-GB"/>
               <a:t>Results</a:t>
             </a:r>
             <a:br>
-              <a:rPr lang="en-GB" dirty="0"/>
+              <a:rPr lang="en-GB"/>
             </a:br>
-            <a:endParaRPr lang="en-GB" dirty="0"/>
+            <a:endParaRPr lang="en-GB"/>
           </a:p>
         </p:txBody>
       </p:sp>
@@ -14031,99 +13752,99 @@
           </a:bodyPr>
           <a:lstStyle/>
           <a:p>
-            <a:endParaRPr lang="en-US" sz="2400" dirty="0">
+            <a:endParaRPr lang="en-US" sz="2400">
               <a:hlinkClick r:id="rId2"/>
             </a:endParaRPr>
           </a:p>
           <a:p>
             <a:r>
-              <a:rPr lang="en-US" sz="2400" dirty="0"/>
+              <a:rPr lang="en-US" sz="2400"/>
               <a:t>While GPT-2 performs </a:t>
             </a:r>
             <a:r>
-              <a:rPr lang="en-US" sz="2400" dirty="0" err="1"/>
+              <a:rPr lang="en-US" sz="2400" err="1"/>
               <a:t>signifi</a:t>
             </a:r>
             <a:r>
-              <a:rPr lang="en-US" sz="2400" dirty="0"/>
+              <a:rPr lang="en-US" sz="2400"/>
               <a:t> </a:t>
             </a:r>
             <a:r>
-              <a:rPr lang="en-US" sz="2400" dirty="0" err="1"/>
+              <a:rPr lang="en-US" sz="2400" err="1"/>
               <a:t>cantly</a:t>
             </a:r>
             <a:r>
-              <a:rPr lang="en-US" sz="2400" dirty="0"/>
+              <a:rPr lang="en-US" sz="2400"/>
               <a:t> worse in the more difficult tasks of </a:t>
             </a:r>
             <a:r>
-              <a:rPr lang="en-US" sz="2400" dirty="0" err="1"/>
+              <a:rPr lang="en-US" sz="2400" err="1"/>
               <a:t>SQuAD</a:t>
             </a:r>
             <a:r>
-              <a:rPr lang="en-US" sz="2400" dirty="0"/>
+              <a:rPr lang="en-US" sz="2400"/>
               <a:t> and HotpotQA, </a:t>
             </a:r>
           </a:p>
           <a:p>
             <a:r>
-              <a:rPr lang="en-US" sz="2400" dirty="0"/>
+              <a:rPr lang="en-US" sz="2400"/>
               <a:t>it does considerably better on </a:t>
             </a:r>
             <a:r>
-              <a:rPr lang="en-US" sz="2400" dirty="0" err="1"/>
+              <a:rPr lang="en-US" sz="2400" err="1"/>
               <a:t>bAbi</a:t>
             </a:r>
             <a:r>
-              <a:rPr lang="en-US" sz="2400" dirty="0"/>
+              <a:rPr lang="en-US" sz="2400"/>
               <a:t> reducing the validation error to nearly 0. Both tasks require positional or geometric reasoning</a:t>
             </a:r>
           </a:p>
           <a:p>
             <a:r>
-              <a:rPr lang="en-US" sz="2400" dirty="0"/>
+              <a:rPr lang="en-US" sz="2400"/>
               <a:t>it is reasonable to assume that this is a skill where GPT-2 improves on BERT’s reasoning capabilities.</a:t>
             </a:r>
-            <a:endParaRPr lang="en-US" sz="2400" dirty="0">
+            <a:endParaRPr lang="en-US" sz="2400">
               <a:hlinkClick r:id="rId2"/>
             </a:endParaRPr>
           </a:p>
           <a:p>
-            <a:endParaRPr lang="en-US" sz="2400" dirty="0">
+            <a:endParaRPr lang="en-US" sz="2400">
               <a:hlinkClick r:id="rId2"/>
             </a:endParaRPr>
           </a:p>
           <a:p>
-            <a:endParaRPr lang="en-US" sz="2400" dirty="0">
+            <a:endParaRPr lang="en-US" sz="2400">
               <a:hlinkClick r:id="rId2"/>
             </a:endParaRPr>
           </a:p>
           <a:p>
-            <a:endParaRPr lang="en-US" sz="2400" dirty="0">
+            <a:endParaRPr lang="en-US" sz="2400">
               <a:hlinkClick r:id="rId2"/>
             </a:endParaRPr>
           </a:p>
           <a:p>
-            <a:endParaRPr lang="en-US" sz="2400" dirty="0">
+            <a:endParaRPr lang="en-US" sz="2400">
               <a:hlinkClick r:id="rId2"/>
             </a:endParaRPr>
           </a:p>
           <a:p>
-            <a:endParaRPr lang="en-US" sz="2400" dirty="0">
+            <a:endParaRPr lang="en-US" sz="2400">
               <a:hlinkClick r:id="rId2"/>
             </a:endParaRPr>
           </a:p>
           <a:p>
             <a:r>
-              <a:rPr lang="en-US" sz="2400" dirty="0">
+              <a:rPr lang="en-US" sz="2400">
                 <a:hlinkClick r:id="rId2"/>
               </a:rPr>
               <a:t>https://visbert.demo.datexis.com/</a:t>
             </a:r>
-            <a:endParaRPr lang="en-US" sz="2400" dirty="0"/>
-          </a:p>
-          <a:p>
-            <a:endParaRPr lang="en-GB" dirty="0"/>
+            <a:endParaRPr lang="en-US" sz="2400"/>
+          </a:p>
+          <a:p>
+            <a:endParaRPr lang="en-GB"/>
           </a:p>
         </p:txBody>
       </p:sp>
@@ -14170,7 +13891,7 @@
 </p:sld>
 </file>
 
-<file path=ppt/slides/slide16.xml><?xml version="1.0" encoding="utf-8"?>
+<file path=ppt/slides/slide13.xml><?xml version="1.0" encoding="utf-8"?>
 <p:sld xmlns:a="http://schemas.openxmlformats.org/drawingml/2006/main" xmlns:r="http://schemas.openxmlformats.org/officeDocument/2006/relationships" xmlns:p="http://schemas.openxmlformats.org/presentationml/2006/main">
   <p:cSld>
     <p:spTree>
@@ -14220,16 +13941,16 @@
           <a:lstStyle/>
           <a:p>
             <a:r>
-              <a:rPr lang="en-US" sz="2400" dirty="0"/>
+              <a:rPr lang="en-US" sz="2400"/>
               <a:t>Explainable Deep Learning: A Visual Analytics Approach with Transition Matrices</a:t>
             </a:r>
             <a:br>
-              <a:rPr lang="en-GB" dirty="0"/>
+              <a:rPr lang="en-GB"/>
             </a:br>
             <a:br>
-              <a:rPr lang="en-GB" dirty="0"/>
+              <a:rPr lang="en-GB"/>
             </a:br>
-            <a:endParaRPr lang="en-GB" dirty="0"/>
+            <a:endParaRPr lang="en-GB"/>
           </a:p>
         </p:txBody>
       </p:sp>
@@ -14262,28 +13983,28 @@
           <a:lstStyle/>
           <a:p>
             <a:r>
-              <a:rPr lang="en-US" dirty="0"/>
+              <a:rPr lang="en-US"/>
               <a:t>the concept of mental models (MMs) and formal models (FM) to bridge the gap between human understanding and AI decision making processes</a:t>
             </a:r>
           </a:p>
           <a:p>
-            <a:endParaRPr lang="en-US" dirty="0"/>
-          </a:p>
-          <a:p>
-            <a:r>
-              <a:rPr lang="en-US" dirty="0"/>
+            <a:endParaRPr lang="en-US"/>
+          </a:p>
+          <a:p>
+            <a:r>
+              <a:rPr lang="en-US"/>
               <a:t>comparing a DL model with its ML counterpart or connecting a multidimensional data model with a reduced-dimensional feature space model.</a:t>
             </a:r>
           </a:p>
           <a:p>
-            <a:endParaRPr lang="en-US" dirty="0"/>
-          </a:p>
-          <a:p>
-            <a:r>
-              <a:rPr lang="en-US" dirty="0"/>
+            <a:endParaRPr lang="en-US"/>
+          </a:p>
+          <a:p>
+            <a:r>
+              <a:rPr lang="en-US"/>
               <a:t>the formal models employed in DL and the mental models presented as an ML model that resonates more intuitively with human cognition.</a:t>
             </a:r>
-            <a:endParaRPr lang="en-GB" dirty="0"/>
+            <a:endParaRPr lang="en-GB"/>
           </a:p>
         </p:txBody>
       </p:sp>
@@ -14300,7 +14021,7 @@
 </p:sld>
 </file>
 
-<file path=ppt/slides/slide17.xml><?xml version="1.0" encoding="utf-8"?>
+<file path=ppt/slides/slide14.xml><?xml version="1.0" encoding="utf-8"?>
 <p:sld xmlns:a="http://schemas.openxmlformats.org/drawingml/2006/main" xmlns:r="http://schemas.openxmlformats.org/officeDocument/2006/relationships" xmlns:p="http://schemas.openxmlformats.org/presentationml/2006/main">
   <p:cSld>
     <p:spTree>
@@ -14350,16 +14071,16 @@
           <a:lstStyle/>
           <a:p>
             <a:r>
-              <a:rPr lang="en-US" sz="2400" dirty="0"/>
+              <a:rPr lang="en-US" sz="2400"/>
               <a:t>Explainable Deep Learning: A Visual Analytics Approach with Transition Matrices</a:t>
             </a:r>
             <a:br>
-              <a:rPr lang="en-GB" dirty="0"/>
+              <a:rPr lang="en-GB"/>
             </a:br>
             <a:br>
-              <a:rPr lang="en-GB" dirty="0"/>
+              <a:rPr lang="en-GB"/>
             </a:br>
-            <a:endParaRPr lang="en-GB" dirty="0"/>
+            <a:endParaRPr lang="en-GB"/>
           </a:p>
         </p:txBody>
       </p:sp>
@@ -14414,7 +14135,7 @@
 </p:sld>
 </file>
 
-<file path=ppt/slides/slide18.xml><?xml version="1.0" encoding="utf-8"?>
+<file path=ppt/slides/slide15.xml><?xml version="1.0" encoding="utf-8"?>
 <p:sld xmlns:a="http://schemas.openxmlformats.org/drawingml/2006/main" xmlns:r="http://schemas.openxmlformats.org/officeDocument/2006/relationships" xmlns:p="http://schemas.openxmlformats.org/presentationml/2006/main">
   <p:cSld>
     <p:spTree>
@@ -14464,16 +14185,16 @@
           <a:lstStyle/>
           <a:p>
             <a:r>
-              <a:rPr lang="en-US" sz="2400" dirty="0"/>
+              <a:rPr lang="en-US" sz="2400"/>
               <a:t>Explainable Deep Learning: A Visual Analytics Approach with Transition Matrices</a:t>
             </a:r>
             <a:br>
-              <a:rPr lang="en-GB" dirty="0"/>
+              <a:rPr lang="en-GB"/>
             </a:br>
             <a:br>
-              <a:rPr lang="en-GB" dirty="0"/>
+              <a:rPr lang="en-GB"/>
             </a:br>
-            <a:endParaRPr lang="en-GB" dirty="0"/>
+            <a:endParaRPr lang="en-GB"/>
           </a:p>
         </p:txBody>
       </p:sp>
@@ -14508,53 +14229,53 @@
               <a:lstStyle/>
               <a:p>
                 <a:r>
-                  <a:rPr lang="en-US" b="1" dirty="0"/>
+                  <a:rPr lang="en-US" b="1"/>
                   <a:t>Matrix A</a:t>
                 </a:r>
                 <a:r>
-                  <a:rPr lang="en-US" dirty="0"/>
+                  <a:rPr lang="en-US"/>
                   <a:t> (size m × k).</a:t>
                 </a:r>
-                <a:endParaRPr lang="en-GB" dirty="0"/>
+                <a:endParaRPr lang="en-GB"/>
               </a:p>
               <a:p>
                 <a:r>
-                  <a:rPr lang="en-US" b="1" dirty="0"/>
+                  <a:rPr lang="en-US" b="1"/>
                   <a:t>Matrix B</a:t>
                 </a:r>
                 <a:r>
-                  <a:rPr lang="en-US" dirty="0"/>
+                  <a:rPr lang="en-US"/>
                   <a:t> (size m × l).</a:t>
                 </a:r>
               </a:p>
               <a:p>
-                <a:endParaRPr lang="en-US" dirty="0"/>
+                <a:endParaRPr lang="en-US"/>
               </a:p>
               <a:p>
                 <a:r>
-                  <a:rPr lang="en-US" dirty="0"/>
+                  <a:rPr lang="en-US"/>
                   <a:t>We want a </a:t>
                 </a:r>
                 <a:r>
-                  <a:rPr lang="en-US" b="1" dirty="0"/>
+                  <a:rPr lang="en-US" b="1"/>
                   <a:t>conversion rule</a:t>
                 </a:r>
                 <a:r>
-                  <a:rPr lang="en-US" dirty="0"/>
+                  <a:rPr lang="en-US"/>
                   <a:t> to go from A's description → B's description.</a:t>
                 </a:r>
               </a:p>
               <a:p>
                 <a:r>
-                  <a:rPr lang="en-US" dirty="0"/>
+                  <a:rPr lang="en-US"/>
                   <a:t>We want a </a:t>
                 </a:r>
                 <a:r>
-                  <a:rPr lang="en-US" b="1" dirty="0"/>
+                  <a:rPr lang="en-US" b="1"/>
                   <a:t>matrix T</a:t>
                 </a:r>
                 <a:r>
-                  <a:rPr lang="en-US" dirty="0"/>
+                  <a:rPr lang="en-US"/>
                   <a:t> such that: </a:t>
                 </a:r>
                 <a14:m>
@@ -14591,11 +14312,11 @@
                     </m:r>
                   </m:oMath>
                 </a14:m>
-                <a:endParaRPr lang="en-US" dirty="0"/>
+                <a:endParaRPr lang="en-US"/>
               </a:p>
               <a:p>
                 <a:r>
-                  <a:rPr lang="en-GB" dirty="0"/>
+                  <a:rPr lang="en-GB"/>
                   <a:t> if m = k = l, you could just do: </a:t>
                 </a:r>
                 <a14:m>
@@ -14657,11 +14378,11 @@
                     </m:sSup>
                   </m:oMath>
                 </a14:m>
-                <a:endParaRPr lang="ar-AE" dirty="0"/>
+                <a:endParaRPr lang="ar-AE"/>
               </a:p>
               <a:p>
                 <a:r>
-                  <a:rPr lang="en-GB" dirty="0"/>
+                  <a:rPr lang="en-GB"/>
                   <a:t>But here, m, k, l often differ, so </a:t>
                 </a:r>
                 <a14:m>
@@ -14700,22 +14421,22 @@
                   </m:oMath>
                 </a14:m>
                 <a:r>
-                  <a:rPr lang="ar-AE" dirty="0"/>
+                  <a:rPr lang="ar-AE"/>
                   <a:t> </a:t>
                 </a:r>
                 <a:r>
-                  <a:rPr lang="en-GB" dirty="0"/>
+                  <a:rPr lang="en-GB"/>
                   <a:t>may not exist</a:t>
                 </a:r>
               </a:p>
               <a:p>
-                <a:endParaRPr lang="en-US" dirty="0"/>
+                <a:endParaRPr lang="en-US"/>
               </a:p>
               <a:p>
-                <a:endParaRPr lang="en-GB" dirty="0"/>
+                <a:endParaRPr lang="en-GB"/>
               </a:p>
               <a:p>
-                <a:endParaRPr lang="en-GB" dirty="0"/>
+                <a:endParaRPr lang="en-GB"/>
               </a:p>
             </p:txBody>
           </p:sp>
@@ -14745,7 +14466,7 @@
               <a:blipFill>
                 <a:blip r:embed="rId2"/>
                 <a:stretch>
-                  <a:fillRect l="-163" t="-667"/>
+                  <a:fillRect l="-217" t="-667"/>
                 </a:stretch>
               </a:blipFill>
             </p:spPr>
@@ -14754,7 +14475,7 @@
               <a:lstStyle/>
               <a:p>
                 <a:r>
-                  <a:rPr lang="en-GB">
+                  <a:rPr lang="en-US">
                     <a:noFill/>
                   </a:rPr>
                   <a:t> </a:t>
@@ -14777,7 +14498,7 @@
 </p:sld>
 </file>
 
-<file path=ppt/slides/slide19.xml><?xml version="1.0" encoding="utf-8"?>
+<file path=ppt/slides/slide16.xml><?xml version="1.0" encoding="utf-8"?>
 <p:sld xmlns:a="http://schemas.openxmlformats.org/drawingml/2006/main" xmlns:r="http://schemas.openxmlformats.org/officeDocument/2006/relationships" xmlns:p="http://schemas.openxmlformats.org/presentationml/2006/main">
   <p:cSld>
     <p:spTree>
@@ -14827,16 +14548,16 @@
           <a:lstStyle/>
           <a:p>
             <a:r>
-              <a:rPr lang="en-US" sz="2400" dirty="0"/>
+              <a:rPr lang="en-US" sz="2400"/>
               <a:t>Explainable Deep Learning: A Visual Analytics Approach with Transition Matrices</a:t>
             </a:r>
             <a:br>
-              <a:rPr lang="en-GB" dirty="0"/>
+              <a:rPr lang="en-GB"/>
             </a:br>
             <a:br>
-              <a:rPr lang="en-GB" dirty="0"/>
+              <a:rPr lang="en-GB"/>
             </a:br>
-            <a:endParaRPr lang="en-GB" dirty="0"/>
+            <a:endParaRPr lang="en-GB"/>
           </a:p>
         </p:txBody>
       </p:sp>
@@ -14871,15 +14592,15 @@
               <a:lstStyle/>
               <a:p>
                 <a:r>
-                  <a:rPr lang="en-GB" b="1" dirty="0"/>
+                  <a:rPr lang="en-GB" b="1"/>
                   <a:t>So we use pseudoinverse (a kind of “almost inverse” for non-square matrices).</a:t>
                 </a:r>
               </a:p>
               <a:p>
-                <a:endParaRPr lang="en-US" b="1" dirty="0"/>
+                <a:endParaRPr lang="en-US" b="1"/>
               </a:p>
               <a:p>
-                <a:endParaRPr lang="en-GB" b="1" dirty="0"/>
+                <a:endParaRPr lang="en-GB" b="1"/>
               </a:p>
               <a:p>
                 <a14:m>
@@ -14935,17 +14656,17 @@
                     </m:r>
                   </m:oMath>
                 </a14:m>
-                <a:endParaRPr lang="ar-AE" b="1" dirty="0"/>
+                <a:endParaRPr lang="ar-AE" b="1"/>
               </a:p>
               <a:p>
-                <a:endParaRPr lang="en-GB" b="1" dirty="0"/>
+                <a:endParaRPr lang="en-GB" b="1"/>
               </a:p>
               <a:p>
-                <a:endParaRPr lang="en-GB" b="1" dirty="0"/>
+                <a:endParaRPr lang="en-GB" b="1"/>
               </a:p>
               <a:p>
                 <a:r>
-                  <a:rPr lang="en-GB" b="1" dirty="0"/>
+                  <a:rPr lang="en-GB" b="1"/>
                   <a:t>Where </a:t>
                 </a:r>
                 <a14:m>
@@ -14978,16 +14699,16 @@
                   </m:oMath>
                 </a14:m>
                 <a:r>
-                  <a:rPr lang="ar-AE" b="1" dirty="0"/>
+                  <a:rPr lang="ar-AE" b="1"/>
                   <a:t> </a:t>
                 </a:r>
                 <a:r>
-                  <a:rPr lang="en-GB" b="1" dirty="0"/>
+                  <a:rPr lang="en-GB" b="1"/>
                   <a:t>is the pseudoinverse of A.</a:t>
                 </a:r>
               </a:p>
               <a:p>
-                <a:endParaRPr lang="en-GB" dirty="0"/>
+                <a:endParaRPr lang="en-GB"/>
               </a:p>
             </p:txBody>
           </p:sp>
@@ -15017,7 +14738,7 @@
               <a:blipFill>
                 <a:blip r:embed="rId2"/>
                 <a:stretch>
-                  <a:fillRect l="-163" t="-667"/>
+                  <a:fillRect l="-217" t="-667"/>
                 </a:stretch>
               </a:blipFill>
             </p:spPr>
@@ -15026,7 +14747,7 @@
               <a:lstStyle/>
               <a:p>
                 <a:r>
-                  <a:rPr lang="en-GB">
+                  <a:rPr lang="en-US">
                     <a:noFill/>
                   </a:rPr>
                   <a:t> </a:t>
@@ -15049,122 +14770,7 @@
 </p:sld>
 </file>
 
-<file path=ppt/slides/slide2.xml><?xml version="1.0" encoding="utf-8"?>
-<p:sld xmlns:a="http://schemas.openxmlformats.org/drawingml/2006/main" xmlns:r="http://schemas.openxmlformats.org/officeDocument/2006/relationships" xmlns:p="http://schemas.openxmlformats.org/presentationml/2006/main">
-  <p:cSld>
-    <p:spTree>
-      <p:nvGrpSpPr>
-        <p:cNvPr id="1" name="">
-          <a:extLst>
-            <a:ext uri="{FF2B5EF4-FFF2-40B4-BE49-F238E27FC236}">
-              <a16:creationId xmlns:a16="http://schemas.microsoft.com/office/drawing/2014/main" id="{26558402-64F7-4E10-CC3C-295AFE1678A6}"/>
-            </a:ext>
-          </a:extLst>
-        </p:cNvPr>
-        <p:cNvGrpSpPr/>
-        <p:nvPr/>
-      </p:nvGrpSpPr>
-      <p:grpSpPr>
-        <a:xfrm>
-          <a:off x="0" y="0"/>
-          <a:ext cx="0" cy="0"/>
-          <a:chOff x="0" y="0"/>
-          <a:chExt cx="0" cy="0"/>
-        </a:xfrm>
-      </p:grpSpPr>
-      <p:sp>
-        <p:nvSpPr>
-          <p:cNvPr id="2" name="Title 1">
-            <a:extLst>
-              <a:ext uri="{FF2B5EF4-FFF2-40B4-BE49-F238E27FC236}">
-                <a16:creationId xmlns:a16="http://schemas.microsoft.com/office/drawing/2014/main" id="{0C7FC174-B74D-93DE-D69A-0CC59ACD964F}"/>
-              </a:ext>
-            </a:extLst>
-          </p:cNvPr>
-          <p:cNvSpPr>
-            <a:spLocks noGrp="1"/>
-          </p:cNvSpPr>
-          <p:nvPr>
-            <p:ph type="title"/>
-          </p:nvPr>
-        </p:nvSpPr>
-        <p:spPr/>
-        <p:txBody>
-          <a:bodyPr/>
-          <a:lstStyle/>
-          <a:p>
-            <a:r>
-              <a:rPr lang="en-US" sz="2400" dirty="0"/>
-              <a:t>How Does BERT Answer Questions? A Layer-wise Analysis of Transformer Representations</a:t>
-            </a:r>
-            <a:br>
-              <a:rPr lang="en-GB" dirty="0"/>
-            </a:br>
-            <a:endParaRPr lang="en-GB" dirty="0"/>
-          </a:p>
-        </p:txBody>
-      </p:sp>
-      <p:sp>
-        <p:nvSpPr>
-          <p:cNvPr id="3" name="Subtitle 2">
-            <a:extLst>
-              <a:ext uri="{FF2B5EF4-FFF2-40B4-BE49-F238E27FC236}">
-                <a16:creationId xmlns:a16="http://schemas.microsoft.com/office/drawing/2014/main" id="{11442074-8D15-48F8-15E9-6972BD4D5AFC}"/>
-              </a:ext>
-            </a:extLst>
-          </p:cNvPr>
-          <p:cNvSpPr>
-            <a:spLocks noGrp="1"/>
-          </p:cNvSpPr>
-          <p:nvPr>
-            <p:ph idx="1"/>
-          </p:nvPr>
-        </p:nvSpPr>
-        <p:spPr/>
-        <p:txBody>
-          <a:bodyPr/>
-          <a:lstStyle/>
-          <a:p>
-            <a:r>
-              <a:rPr lang="en-US" dirty="0"/>
-              <a:t>Proposing a layer-wise visualization of token representations that reveals information about the internal state of Transformer networks</a:t>
-            </a:r>
-          </a:p>
-          <a:p>
-            <a:endParaRPr lang="en-US" dirty="0"/>
-          </a:p>
-          <a:p>
-            <a:r>
-              <a:rPr lang="en-US" dirty="0"/>
-              <a:t>A set of general NLP probing tasks were applied and extended by the QA-specific tasks of question type classification and supporting fact extraction</a:t>
-            </a:r>
-          </a:p>
-          <a:p>
-            <a:endParaRPr lang="en-US" dirty="0"/>
-          </a:p>
-          <a:p>
-            <a:r>
-              <a:rPr lang="en-US" dirty="0"/>
-              <a:t>The third contribution is to show that BERT’s layers go through similar phases even if fine-tuned on different tasks</a:t>
-            </a:r>
-            <a:endParaRPr lang="en-GB" dirty="0"/>
-          </a:p>
-        </p:txBody>
-      </p:sp>
-    </p:spTree>
-    <p:extLst>
-      <p:ext uri="{BB962C8B-B14F-4D97-AF65-F5344CB8AC3E}">
-        <p14:creationId xmlns:p14="http://schemas.microsoft.com/office/powerpoint/2010/main" val="2272507590"/>
-      </p:ext>
-    </p:extLst>
-  </p:cSld>
-  <p:clrMapOvr>
-    <a:masterClrMapping/>
-  </p:clrMapOvr>
-</p:sld>
-</file>
-
-<file path=ppt/slides/slide20.xml><?xml version="1.0" encoding="utf-8"?>
+<file path=ppt/slides/slide17.xml><?xml version="1.0" encoding="utf-8"?>
 <p:sld xmlns:a="http://schemas.openxmlformats.org/drawingml/2006/main" xmlns:r="http://schemas.openxmlformats.org/officeDocument/2006/relationships" xmlns:p="http://schemas.openxmlformats.org/presentationml/2006/main">
   <p:cSld>
     <p:spTree>
@@ -15214,16 +14820,16 @@
           <a:lstStyle/>
           <a:p>
             <a:r>
-              <a:rPr lang="en-US" sz="2400" dirty="0"/>
+              <a:rPr lang="en-US" sz="2400"/>
               <a:t>Explainable Deep Learning: A Visual Analytics Approach with Transition Matrices</a:t>
             </a:r>
             <a:br>
-              <a:rPr lang="en-GB" dirty="0"/>
+              <a:rPr lang="en-GB"/>
             </a:br>
             <a:br>
-              <a:rPr lang="en-GB" dirty="0"/>
+              <a:rPr lang="en-GB"/>
             </a:br>
-            <a:endParaRPr lang="en-GB" dirty="0"/>
+            <a:endParaRPr lang="en-GB"/>
           </a:p>
         </p:txBody>
       </p:sp>
@@ -15258,11 +14864,11 @@
               <a:lstStyle/>
               <a:p>
                 <a:r>
-                  <a:rPr lang="en-GB" b="1" dirty="0"/>
+                  <a:rPr lang="en-GB" b="1"/>
                   <a:t>Simple case:</a:t>
                 </a:r>
                 <a:r>
-                  <a:rPr lang="en-GB" dirty="0"/>
+                  <a:rPr lang="en-GB"/>
                   <a:t> If columns of A are independent,</a:t>
                 </a:r>
               </a:p>
@@ -15414,21 +15020,21 @@
                     </m:d>
                   </m:oMath>
                 </a14:m>
-                <a:endParaRPr lang="en-US" dirty="0"/>
+                <a:endParaRPr lang="en-US"/>
               </a:p>
               <a:p>
                 <a:r>
-                  <a:rPr lang="en-US" dirty="0"/>
+                  <a:rPr lang="en-US"/>
                   <a:t>det(A ^(T) A)  = 0 or close to 0</a:t>
                 </a:r>
               </a:p>
               <a:p>
                 <a:r>
-                  <a:rPr lang="en-GB" b="1" dirty="0"/>
+                  <a:rPr lang="en-GB" b="1"/>
                   <a:t>If rows of A are independent</a:t>
                 </a:r>
                 <a:r>
-                  <a:rPr lang="en-GB" dirty="0"/>
+                  <a:rPr lang="en-GB"/>
                   <a:t>,</a:t>
                 </a:r>
               </a:p>
@@ -15580,22 +15186,22 @@
                     </m:d>
                   </m:oMath>
                 </a14:m>
-                <a:endParaRPr lang="ar-AE" dirty="0"/>
+                <a:endParaRPr lang="ar-AE"/>
               </a:p>
               <a:p>
                 <a:r>
-                  <a:rPr lang="en-US" dirty="0"/>
+                  <a:rPr lang="en-US"/>
                   <a:t>det(AA^(T))  = 0 or close to 0</a:t>
                 </a:r>
               </a:p>
               <a:p>
                 <a:r>
-                  <a:rPr lang="en-US" b="1" dirty="0"/>
+                  <a:rPr lang="en-US" b="1"/>
                   <a:t>If Both are close to 0, use SVD decomposition</a:t>
                 </a:r>
               </a:p>
               <a:p>
-                <a:endParaRPr lang="en-GB" dirty="0"/>
+                <a:endParaRPr lang="en-GB"/>
               </a:p>
             </p:txBody>
           </p:sp>
@@ -15625,7 +15231,7 @@
               <a:blipFill>
                 <a:blip r:embed="rId2"/>
                 <a:stretch>
-                  <a:fillRect l="-163" t="-11067"/>
+                  <a:fillRect l="-217" t="-11067"/>
                 </a:stretch>
               </a:blipFill>
             </p:spPr>
@@ -15634,7 +15240,7 @@
               <a:lstStyle/>
               <a:p>
                 <a:r>
-                  <a:rPr lang="en-GB">
+                  <a:rPr lang="en-US">
                     <a:noFill/>
                   </a:rPr>
                   <a:t> </a:t>
@@ -15693,7 +15299,7 @@
 </p:sld>
 </file>
 
-<file path=ppt/slides/slide21.xml><?xml version="1.0" encoding="utf-8"?>
+<file path=ppt/slides/slide18.xml><?xml version="1.0" encoding="utf-8"?>
 <p:sld xmlns:a="http://schemas.openxmlformats.org/drawingml/2006/main" xmlns:r="http://schemas.openxmlformats.org/officeDocument/2006/relationships" xmlns:p="http://schemas.openxmlformats.org/presentationml/2006/main">
   <p:cSld>
     <p:spTree>
@@ -15743,16 +15349,16 @@
           <a:lstStyle/>
           <a:p>
             <a:r>
-              <a:rPr lang="en-US" sz="2400" dirty="0"/>
+              <a:rPr lang="en-US" sz="2400"/>
               <a:t>Explainable Deep Learning: A Visual Analytics Approach with Transition Matrices</a:t>
             </a:r>
             <a:br>
-              <a:rPr lang="en-GB" dirty="0"/>
+              <a:rPr lang="en-GB"/>
             </a:br>
             <a:br>
-              <a:rPr lang="en-GB" dirty="0"/>
+              <a:rPr lang="en-GB"/>
             </a:br>
-            <a:endParaRPr lang="en-GB" dirty="0"/>
+            <a:endParaRPr lang="en-GB"/>
           </a:p>
         </p:txBody>
       </p:sp>
@@ -15786,19 +15392,19 @@
               </a:bodyPr>
               <a:lstStyle/>
               <a:p>
-                <a:endParaRPr lang="en-GB" b="1" dirty="0"/>
+                <a:endParaRPr lang="en-GB" b="1"/>
               </a:p>
               <a:p>
                 <a:r>
-                  <a:rPr lang="en-GB" b="1" dirty="0"/>
+                  <a:rPr lang="en-GB" b="1"/>
                   <a:t>So we use pseudoinverse (a kind of “almost inverse” for non-square matrices).</a:t>
                 </a:r>
               </a:p>
               <a:p>
-                <a:endParaRPr lang="en-US" b="1" dirty="0"/>
+                <a:endParaRPr lang="en-US" b="1"/>
               </a:p>
               <a:p>
-                <a:endParaRPr lang="en-GB" b="1" dirty="0"/>
+                <a:endParaRPr lang="en-GB" b="1"/>
               </a:p>
               <a:p>
                 <a14:m>
@@ -15854,17 +15460,17 @@
                     </m:r>
                   </m:oMath>
                 </a14:m>
-                <a:endParaRPr lang="ar-AE" b="1" dirty="0"/>
+                <a:endParaRPr lang="ar-AE" b="1"/>
               </a:p>
               <a:p>
-                <a:endParaRPr lang="en-GB" b="1" dirty="0"/>
+                <a:endParaRPr lang="en-GB" b="1"/>
               </a:p>
               <a:p>
-                <a:endParaRPr lang="en-GB" b="1" dirty="0"/>
+                <a:endParaRPr lang="en-GB" b="1"/>
               </a:p>
               <a:p>
                 <a:r>
-                  <a:rPr lang="en-GB" b="1" dirty="0"/>
+                  <a:rPr lang="en-GB" b="1"/>
                   <a:t>Where </a:t>
                 </a:r>
                 <a14:m>
@@ -15897,16 +15503,16 @@
                   </m:oMath>
                 </a14:m>
                 <a:r>
-                  <a:rPr lang="ar-AE" b="1" dirty="0"/>
+                  <a:rPr lang="ar-AE" b="1"/>
                   <a:t> </a:t>
                 </a:r>
                 <a:r>
-                  <a:rPr lang="en-GB" b="1" dirty="0"/>
+                  <a:rPr lang="en-GB" b="1"/>
                   <a:t>is the pseudoinverse of A.</a:t>
                 </a:r>
               </a:p>
               <a:p>
-                <a:endParaRPr lang="en-GB" dirty="0"/>
+                <a:endParaRPr lang="en-GB"/>
               </a:p>
             </p:txBody>
           </p:sp>
@@ -15936,7 +15542,7 @@
               <a:blipFill>
                 <a:blip r:embed="rId2"/>
                 <a:stretch>
-                  <a:fillRect l="-163"/>
+                  <a:fillRect l="-217"/>
                 </a:stretch>
               </a:blipFill>
             </p:spPr>
@@ -15945,7 +15551,7 @@
               <a:lstStyle/>
               <a:p>
                 <a:r>
-                  <a:rPr lang="en-GB">
+                  <a:rPr lang="en-US">
                     <a:noFill/>
                   </a:rPr>
                   <a:t> </a:t>
@@ -15968,7 +15574,7 @@
 </p:sld>
 </file>
 
-<file path=ppt/slides/slide22.xml><?xml version="1.0" encoding="utf-8"?>
+<file path=ppt/slides/slide19.xml><?xml version="1.0" encoding="utf-8"?>
 <p:sld xmlns:a="http://schemas.openxmlformats.org/drawingml/2006/main" xmlns:r="http://schemas.openxmlformats.org/officeDocument/2006/relationships" xmlns:p="http://schemas.openxmlformats.org/presentationml/2006/main">
   <p:cSld>
     <p:spTree>
@@ -16018,16 +15624,16 @@
           <a:lstStyle/>
           <a:p>
             <a:r>
-              <a:rPr lang="en-US" sz="2400" dirty="0"/>
+              <a:rPr lang="en-US" sz="2400"/>
               <a:t>Explainable Deep Learning: A Visual Analytics Approach with Transition Matrices</a:t>
             </a:r>
             <a:br>
-              <a:rPr lang="en-GB" dirty="0"/>
+              <a:rPr lang="en-GB"/>
             </a:br>
             <a:br>
-              <a:rPr lang="en-GB" dirty="0"/>
+              <a:rPr lang="en-GB"/>
             </a:br>
-            <a:endParaRPr lang="en-GB" dirty="0"/>
+            <a:endParaRPr lang="en-GB"/>
           </a:p>
         </p:txBody>
       </p:sp>
@@ -16059,69 +15665,69 @@
           </a:bodyPr>
           <a:lstStyle/>
           <a:p>
-            <a:endParaRPr lang="en-US" dirty="0"/>
-          </a:p>
-          <a:p>
-            <a:r>
-              <a:rPr lang="en-US" dirty="0"/>
+            <a:endParaRPr lang="en-US"/>
+          </a:p>
+          <a:p>
+            <a:r>
+              <a:rPr lang="en-US"/>
               <a:t>Once you have </a:t>
             </a:r>
             <a:r>
-              <a:rPr lang="en-US" b="1" dirty="0"/>
+              <a:rPr lang="en-US" b="1"/>
               <a:t>T</a:t>
             </a:r>
             <a:r>
-              <a:rPr lang="en-US" dirty="0"/>
+              <a:rPr lang="en-US"/>
               <a:t>, for a new cat’s A-features </a:t>
             </a:r>
             <a:r>
-              <a:rPr lang="en-GB" i="1" dirty="0"/>
+              <a:rPr lang="en-GB" i="1"/>
               <a:t>a∗</a:t>
             </a:r>
             <a:r>
-              <a:rPr lang="en-US" i="1" dirty="0"/>
+              <a:rPr lang="en-US" i="1"/>
               <a:t>a</a:t>
             </a:r>
             <a:r>
-              <a:rPr lang="en-US" dirty="0"/>
+              <a:rPr lang="en-US"/>
               <a:t>∗,</a:t>
             </a:r>
-            <a:endParaRPr lang="en-GB" dirty="0"/>
+            <a:endParaRPr lang="en-GB"/>
           </a:p>
           <a:p>
             <a:pPr marL="0" indent="0">
               <a:buNone/>
             </a:pPr>
-            <a:endParaRPr lang="en-GB" sz="4400" b="1" i="1" dirty="0"/>
+            <a:endParaRPr lang="en-GB" sz="4400" b="1" i="1"/>
           </a:p>
           <a:p>
             <a:pPr marL="0" indent="0">
               <a:buNone/>
             </a:pPr>
             <a:r>
-              <a:rPr lang="en-GB" sz="4400" b="1" i="1" dirty="0"/>
+              <a:rPr lang="en-GB" sz="4400" b="1" i="1"/>
               <a:t>b∗=a∗×T</a:t>
             </a:r>
-            <a:endParaRPr lang="en-GB" sz="4400" b="1" dirty="0"/>
-          </a:p>
-          <a:p>
-            <a:endParaRPr lang="en-US" dirty="0"/>
-          </a:p>
-          <a:p>
-            <a:endParaRPr lang="en-US" dirty="0"/>
-          </a:p>
-          <a:p>
-            <a:r>
-              <a:rPr lang="en-US" dirty="0"/>
+            <a:endParaRPr lang="en-GB" sz="4400" b="1"/>
+          </a:p>
+          <a:p>
+            <a:endParaRPr lang="en-US"/>
+          </a:p>
+          <a:p>
+            <a:endParaRPr lang="en-US"/>
+          </a:p>
+          <a:p>
+            <a:r>
+              <a:rPr lang="en-US"/>
               <a:t>gives its predicted B-features.</a:t>
             </a:r>
-            <a:endParaRPr lang="en-GB" dirty="0"/>
+            <a:endParaRPr lang="en-GB"/>
           </a:p>
           <a:p>
             <a:pPr marL="0" indent="0">
               <a:buNone/>
             </a:pPr>
-            <a:endParaRPr lang="en-GB" dirty="0"/>
+            <a:endParaRPr lang="en-GB"/>
           </a:p>
         </p:txBody>
       </p:sp>
@@ -16174,7 +15780,122 @@
 </p:sld>
 </file>
 
-<file path=ppt/slides/slide23.xml><?xml version="1.0" encoding="utf-8"?>
+<file path=ppt/slides/slide2.xml><?xml version="1.0" encoding="utf-8"?>
+<p:sld xmlns:a="http://schemas.openxmlformats.org/drawingml/2006/main" xmlns:r="http://schemas.openxmlformats.org/officeDocument/2006/relationships" xmlns:p="http://schemas.openxmlformats.org/presentationml/2006/main">
+  <p:cSld>
+    <p:spTree>
+      <p:nvGrpSpPr>
+        <p:cNvPr id="1" name="">
+          <a:extLst>
+            <a:ext uri="{FF2B5EF4-FFF2-40B4-BE49-F238E27FC236}">
+              <a16:creationId xmlns:a16="http://schemas.microsoft.com/office/drawing/2014/main" id="{26558402-64F7-4E10-CC3C-295AFE1678A6}"/>
+            </a:ext>
+          </a:extLst>
+        </p:cNvPr>
+        <p:cNvGrpSpPr/>
+        <p:nvPr/>
+      </p:nvGrpSpPr>
+      <p:grpSpPr>
+        <a:xfrm>
+          <a:off x="0" y="0"/>
+          <a:ext cx="0" cy="0"/>
+          <a:chOff x="0" y="0"/>
+          <a:chExt cx="0" cy="0"/>
+        </a:xfrm>
+      </p:grpSpPr>
+      <p:sp>
+        <p:nvSpPr>
+          <p:cNvPr id="2" name="Title 1">
+            <a:extLst>
+              <a:ext uri="{FF2B5EF4-FFF2-40B4-BE49-F238E27FC236}">
+                <a16:creationId xmlns:a16="http://schemas.microsoft.com/office/drawing/2014/main" id="{0C7FC174-B74D-93DE-D69A-0CC59ACD964F}"/>
+              </a:ext>
+            </a:extLst>
+          </p:cNvPr>
+          <p:cNvSpPr>
+            <a:spLocks noGrp="1"/>
+          </p:cNvSpPr>
+          <p:nvPr>
+            <p:ph type="title"/>
+          </p:nvPr>
+        </p:nvSpPr>
+        <p:spPr/>
+        <p:txBody>
+          <a:bodyPr/>
+          <a:lstStyle/>
+          <a:p>
+            <a:r>
+              <a:rPr lang="en-US" sz="2400"/>
+              <a:t>How Does BERT Answer Questions? A Layer-wise Analysis of Transformer Representations</a:t>
+            </a:r>
+            <a:br>
+              <a:rPr lang="en-GB"/>
+            </a:br>
+            <a:endParaRPr lang="en-GB"/>
+          </a:p>
+        </p:txBody>
+      </p:sp>
+      <p:sp>
+        <p:nvSpPr>
+          <p:cNvPr id="3" name="Subtitle 2">
+            <a:extLst>
+              <a:ext uri="{FF2B5EF4-FFF2-40B4-BE49-F238E27FC236}">
+                <a16:creationId xmlns:a16="http://schemas.microsoft.com/office/drawing/2014/main" id="{11442074-8D15-48F8-15E9-6972BD4D5AFC}"/>
+              </a:ext>
+            </a:extLst>
+          </p:cNvPr>
+          <p:cNvSpPr>
+            <a:spLocks noGrp="1"/>
+          </p:cNvSpPr>
+          <p:nvPr>
+            <p:ph idx="1"/>
+          </p:nvPr>
+        </p:nvSpPr>
+        <p:spPr/>
+        <p:txBody>
+          <a:bodyPr/>
+          <a:lstStyle/>
+          <a:p>
+            <a:r>
+              <a:rPr lang="en-US"/>
+              <a:t>Proposing a layer-wise visualization of token representations that reveals information about the internal state of Transformer networks</a:t>
+            </a:r>
+          </a:p>
+          <a:p>
+            <a:endParaRPr lang="en-US"/>
+          </a:p>
+          <a:p>
+            <a:r>
+              <a:rPr lang="en-US"/>
+              <a:t>A set of general NLP probing tasks were applied and extended by the QA-specific tasks of question type classification and supporting fact extraction</a:t>
+            </a:r>
+          </a:p>
+          <a:p>
+            <a:endParaRPr lang="en-US"/>
+          </a:p>
+          <a:p>
+            <a:r>
+              <a:rPr lang="en-US"/>
+              <a:t>The third contribution is to show that BERT’s layers go through similar phases even if fine-tuned on different tasks</a:t>
+            </a:r>
+            <a:endParaRPr lang="en-GB"/>
+          </a:p>
+        </p:txBody>
+      </p:sp>
+    </p:spTree>
+    <p:extLst>
+      <p:ext uri="{BB962C8B-B14F-4D97-AF65-F5344CB8AC3E}">
+        <p14:creationId xmlns:p14="http://schemas.microsoft.com/office/powerpoint/2010/main" val="2272507590"/>
+      </p:ext>
+    </p:extLst>
+  </p:cSld>
+  <p:clrMapOvr>
+    <a:masterClrMapping/>
+  </p:clrMapOvr>
+</p:sld>
+</file>
+
+<file path=ppt/slides/slide20.xml><?xml version="1.0" encoding="utf-8"?>
 <p:sld xmlns:a="http://schemas.openxmlformats.org/drawingml/2006/main" xmlns:r="http://schemas.openxmlformats.org/officeDocument/2006/relationships" xmlns:p="http://schemas.openxmlformats.org/presentationml/2006/main">
   <p:cSld>
     <p:spTree>
@@ -16224,16 +15945,16 @@
           <a:lstStyle/>
           <a:p>
             <a:r>
-              <a:rPr lang="en-GB" dirty="0"/>
+              <a:rPr lang="en-GB"/>
               <a:t>Experiment</a:t>
             </a:r>
             <a:br>
-              <a:rPr lang="en-GB" dirty="0"/>
+              <a:rPr lang="en-GB"/>
             </a:br>
             <a:br>
-              <a:rPr lang="en-GB" dirty="0"/>
+              <a:rPr lang="en-GB"/>
             </a:br>
-            <a:endParaRPr lang="en-GB" dirty="0"/>
+            <a:endParaRPr lang="en-GB"/>
           </a:p>
         </p:txBody>
       </p:sp>
@@ -16266,39 +15987,39 @@
           <a:lstStyle/>
           <a:p>
             <a:r>
-              <a:rPr lang="en-US" dirty="0"/>
+              <a:rPr lang="en-US"/>
               <a:t>DL models convolutional neural network and robustly optimized bidirectional encoder representations from transformers (</a:t>
             </a:r>
             <a:r>
-              <a:rPr lang="en-US" dirty="0" err="1"/>
+              <a:rPr lang="en-US" err="1"/>
               <a:t>RoBERTa</a:t>
             </a:r>
             <a:r>
-              <a:rPr lang="en-US" dirty="0"/>
+              <a:rPr lang="en-US"/>
               <a:t>)</a:t>
             </a:r>
           </a:p>
           <a:p>
-            <a:endParaRPr lang="en-US" dirty="0"/>
-          </a:p>
-          <a:p>
-            <a:r>
-              <a:rPr lang="en-US" dirty="0"/>
+            <a:endParaRPr lang="en-US"/>
+          </a:p>
+          <a:p>
+            <a:r>
+              <a:rPr lang="en-US"/>
               <a:t>Let us also assume that solutions to these tasks exist both through DL and ML means (for the same datasets)</a:t>
             </a:r>
           </a:p>
           <a:p>
-            <a:endParaRPr lang="en-US" dirty="0"/>
-          </a:p>
-          <a:p>
-            <a:r>
-              <a:rPr lang="en-US" dirty="0"/>
+            <a:endParaRPr lang="en-US"/>
+          </a:p>
+          <a:p>
+            <a:r>
+              <a:rPr lang="en-US"/>
               <a:t>MDS was used on FM output of DL  A and MM output of ML B</a:t>
             </a:r>
-            <a:endParaRPr lang="en-GB" dirty="0"/>
-          </a:p>
-          <a:p>
-            <a:endParaRPr lang="en-GB" dirty="0"/>
+            <a:endParaRPr lang="en-GB"/>
+          </a:p>
+          <a:p>
+            <a:endParaRPr lang="en-GB"/>
           </a:p>
         </p:txBody>
       </p:sp>
@@ -16351,7 +16072,7 @@
 </p:sld>
 </file>
 
-<file path=ppt/slides/slide24.xml><?xml version="1.0" encoding="utf-8"?>
+<file path=ppt/slides/slide21.xml><?xml version="1.0" encoding="utf-8"?>
 <p:sld xmlns:a="http://schemas.openxmlformats.org/drawingml/2006/main" xmlns:r="http://schemas.openxmlformats.org/officeDocument/2006/relationships" xmlns:p="http://schemas.openxmlformats.org/presentationml/2006/main">
   <p:cSld>
     <p:spTree>
@@ -16401,16 +16122,16 @@
           <a:lstStyle/>
           <a:p>
             <a:r>
-              <a:rPr lang="en-GB" dirty="0"/>
+              <a:rPr lang="en-GB"/>
               <a:t>Experiment</a:t>
             </a:r>
             <a:br>
-              <a:rPr lang="en-GB" dirty="0"/>
+              <a:rPr lang="en-GB"/>
             </a:br>
             <a:br>
-              <a:rPr lang="en-GB" dirty="0"/>
+              <a:rPr lang="en-GB"/>
             </a:br>
-            <a:endParaRPr lang="en-GB" dirty="0"/>
+            <a:endParaRPr lang="en-GB"/>
           </a:p>
         </p:txBody>
       </p:sp>
@@ -16443,24 +16164,24 @@
           <a:lstStyle/>
           <a:p>
             <a:r>
-              <a:rPr lang="en-US" dirty="0"/>
+              <a:rPr lang="en-US"/>
               <a:t>A</a:t>
             </a:r>
             <a:r>
-              <a:rPr lang="en-US" baseline="30000" dirty="0"/>
+              <a:rPr lang="en-US" baseline="30000"/>
               <a:t>+ </a:t>
             </a:r>
             <a:r>
-              <a:rPr lang="en-US" dirty="0"/>
+              <a:rPr lang="en-US"/>
               <a:t>and Transition matrix T were calculated. This was then used to estimate the result of MM B.</a:t>
             </a:r>
-            <a:endParaRPr lang="en-GB" dirty="0"/>
-          </a:p>
-          <a:p>
-            <a:endParaRPr lang="en-US" dirty="0"/>
-          </a:p>
-          <a:p>
-            <a:endParaRPr lang="en-GB" dirty="0"/>
+            <a:endParaRPr lang="en-GB"/>
+          </a:p>
+          <a:p>
+            <a:endParaRPr lang="en-US"/>
+          </a:p>
+          <a:p>
+            <a:endParaRPr lang="en-GB"/>
           </a:p>
         </p:txBody>
       </p:sp>
@@ -16513,7 +16234,7 @@
 </p:sld>
 </file>
 
-<file path=ppt/slides/slide25.xml><?xml version="1.0" encoding="utf-8"?>
+<file path=ppt/slides/slide22.xml><?xml version="1.0" encoding="utf-8"?>
 <p:sld xmlns:a="http://schemas.openxmlformats.org/drawingml/2006/main" xmlns:r="http://schemas.openxmlformats.org/officeDocument/2006/relationships" xmlns:p="http://schemas.openxmlformats.org/presentationml/2006/main">
   <p:cSld>
     <p:spTree>
@@ -16563,16 +16284,16 @@
           <a:lstStyle/>
           <a:p>
             <a:r>
-              <a:rPr lang="en-GB" dirty="0"/>
+              <a:rPr lang="en-GB"/>
               <a:t>Experiment</a:t>
             </a:r>
             <a:br>
-              <a:rPr lang="en-GB" dirty="0"/>
+              <a:rPr lang="en-GB"/>
             </a:br>
             <a:br>
-              <a:rPr lang="en-GB" dirty="0"/>
+              <a:rPr lang="en-GB"/>
             </a:br>
-            <a:endParaRPr lang="en-GB" dirty="0"/>
+            <a:endParaRPr lang="en-GB"/>
           </a:p>
         </p:txBody>
       </p:sp>
@@ -16605,41 +16326,41 @@
           <a:lstStyle/>
           <a:p>
             <a:r>
-              <a:rPr lang="en-US" dirty="0"/>
+              <a:rPr lang="en-US"/>
               <a:t>A</a:t>
             </a:r>
             <a:r>
-              <a:rPr lang="en-US" baseline="30000" dirty="0"/>
+              <a:rPr lang="en-US" baseline="30000"/>
               <a:t>+ </a:t>
             </a:r>
             <a:r>
-              <a:rPr lang="en-US" dirty="0"/>
+              <a:rPr lang="en-US"/>
               <a:t>and Transition matrix T were calculated. This was then used to estimate the result of MM B.</a:t>
             </a:r>
           </a:p>
           <a:p>
             <a:r>
-              <a:rPr lang="en-US" dirty="0"/>
+              <a:rPr lang="en-US"/>
               <a:t>Plot of initial B and B</a:t>
             </a:r>
             <a:r>
-              <a:rPr lang="en-US" baseline="30000" dirty="0"/>
+              <a:rPr lang="en-US" baseline="30000"/>
               <a:t>1</a:t>
             </a:r>
             <a:r>
-              <a:rPr lang="en-US" dirty="0"/>
+              <a:rPr lang="en-US"/>
               <a:t> Calculated with the transition matrix</a:t>
             </a:r>
-            <a:endParaRPr lang="en-GB" dirty="0"/>
-          </a:p>
-          <a:p>
-            <a:endParaRPr lang="en-GB" dirty="0"/>
-          </a:p>
-          <a:p>
-            <a:endParaRPr lang="en-US" dirty="0"/>
-          </a:p>
-          <a:p>
-            <a:endParaRPr lang="en-GB" dirty="0"/>
+            <a:endParaRPr lang="en-GB"/>
+          </a:p>
+          <a:p>
+            <a:endParaRPr lang="en-GB"/>
+          </a:p>
+          <a:p>
+            <a:endParaRPr lang="en-US"/>
+          </a:p>
+          <a:p>
+            <a:endParaRPr lang="en-GB"/>
           </a:p>
         </p:txBody>
       </p:sp>
@@ -16692,7 +16413,7 @@
 </p:sld>
 </file>
 
-<file path=ppt/slides/slide3.xml><?xml version="1.0" encoding="utf-8"?>
+<file path=ppt/slides/slide23.xml><?xml version="1.0" encoding="utf-8"?>
 <p:sld xmlns:a="http://schemas.openxmlformats.org/drawingml/2006/main" xmlns:r="http://schemas.openxmlformats.org/officeDocument/2006/relationships" xmlns:p="http://schemas.openxmlformats.org/presentationml/2006/main">
   <p:cSld>
     <p:spTree>
@@ -16700,7 +16421,7 @@
         <p:cNvPr id="1" name="">
           <a:extLst>
             <a:ext uri="{FF2B5EF4-FFF2-40B4-BE49-F238E27FC236}">
-              <a16:creationId xmlns:a16="http://schemas.microsoft.com/office/drawing/2014/main" id="{492191E3-3EBC-FFA2-2CE2-EA64CEECB001}"/>
+              <a16:creationId xmlns:a16="http://schemas.microsoft.com/office/drawing/2014/main" id="{B95EEC83-34D6-DF5D-15AC-29699AB1828A}"/>
             </a:ext>
           </a:extLst>
         </p:cNvPr>
@@ -16720,7 +16441,7 @@
           <p:cNvPr id="2" name="Title 1">
             <a:extLst>
               <a:ext uri="{FF2B5EF4-FFF2-40B4-BE49-F238E27FC236}">
-                <a16:creationId xmlns:a16="http://schemas.microsoft.com/office/drawing/2014/main" id="{D548A0C9-9CCE-B09E-29D9-C01BC0C843A3}"/>
+                <a16:creationId xmlns:a16="http://schemas.microsoft.com/office/drawing/2014/main" id="{F5E88E01-88AF-4CA1-6F3A-7C9A1F84EFBB}"/>
               </a:ext>
             </a:extLst>
           </p:cNvPr>
@@ -16731,28 +16452,36 @@
             <p:ph type="title"/>
           </p:nvPr>
         </p:nvSpPr>
-        <p:spPr/>
+        <p:spPr>
+          <a:xfrm>
+            <a:off x="1154955" y="973667"/>
+            <a:ext cx="8581474" cy="983921"/>
+          </a:xfrm>
+        </p:spPr>
         <p:txBody>
           <a:bodyPr/>
           <a:lstStyle/>
           <a:p>
             <a:r>
-              <a:rPr lang="en-US" sz="2400" dirty="0"/>
-              <a:t>How Does BERT Answer Questions? A Layer-wise Analysis of Transformer Representations</a:t>
+              <a:rPr lang="en-GB"/>
+              <a:t>Supervisors' comments</a:t>
             </a:r>
             <a:br>
-              <a:rPr lang="en-GB" dirty="0"/>
+              <a:rPr lang="en-GB"/>
             </a:br>
-            <a:endParaRPr lang="en-GB" dirty="0"/>
+            <a:br>
+              <a:rPr lang="en-GB"/>
+            </a:br>
+            <a:endParaRPr lang="en-GB"/>
           </a:p>
         </p:txBody>
       </p:sp>
       <p:sp>
         <p:nvSpPr>
-          <p:cNvPr id="3" name="Subtitle 2">
+          <p:cNvPr id="4" name="Subtitle 2">
             <a:extLst>
               <a:ext uri="{FF2B5EF4-FFF2-40B4-BE49-F238E27FC236}">
-                <a16:creationId xmlns:a16="http://schemas.microsoft.com/office/drawing/2014/main" id="{D6B3E025-04C7-0709-29BD-10C5AB250901}"/>
+                <a16:creationId xmlns:a16="http://schemas.microsoft.com/office/drawing/2014/main" id="{0401CA62-26BE-956A-2200-BF515A6EA38D}"/>
               </a:ext>
             </a:extLst>
           </p:cNvPr>
@@ -16763,49 +16492,354 @@
             <p:ph idx="1"/>
           </p:nvPr>
         </p:nvSpPr>
-        <p:spPr/>
+        <p:spPr>
+          <a:xfrm>
+            <a:off x="95517" y="2285999"/>
+            <a:ext cx="11804562" cy="4572001"/>
+          </a:xfrm>
+        </p:spPr>
         <p:txBody>
-          <a:bodyPr/>
+          <a:bodyPr>
+            <a:normAutofit/>
+          </a:bodyPr>
           <a:lstStyle/>
           <a:p>
-            <a:r>
-              <a:rPr lang="en-US" b="1" dirty="0"/>
-              <a:t>Dimensionality reduction: </a:t>
-            </a:r>
-            <a:r>
-              <a:rPr lang="en-US" dirty="0"/>
-              <a:t>BERT’s pretrained models use vector dimensions of 1024 and 512. Dimensionality reduction is used to visualize relations between tokens. (PCA yielded the best result)</a:t>
-            </a:r>
-          </a:p>
-          <a:p>
-            <a:endParaRPr lang="en-US" dirty="0"/>
-          </a:p>
-          <a:p>
-            <a:r>
-              <a:rPr lang="en-US" b="1" dirty="0"/>
-              <a:t>K-means Clustering: </a:t>
-            </a:r>
-            <a:r>
-              <a:rPr lang="en-US" dirty="0"/>
-              <a:t>To verify that clusters in 2D space represent the actual distribution in high dimensional vector space, we apply k-means clustering. </a:t>
-            </a:r>
-          </a:p>
-          <a:p>
-            <a:endParaRPr lang="en-US" dirty="0"/>
-          </a:p>
-          <a:p>
-            <a:r>
-              <a:rPr lang="en-US" dirty="0"/>
-              <a:t>We use principle of Edge probing</a:t>
-            </a:r>
-            <a:endParaRPr lang="en-GB" dirty="0"/>
+            <a:endParaRPr lang="en-GB"/>
+          </a:p>
+          <a:p>
+            <a:endParaRPr lang="en-US"/>
+          </a:p>
+          <a:p>
+            <a:endParaRPr lang="en-GB"/>
+          </a:p>
+        </p:txBody>
+      </p:sp>
+      <p:sp>
+        <p:nvSpPr>
+          <p:cNvPr id="3" name="Subtitle 2">
+            <a:extLst>
+              <a:ext uri="{FF2B5EF4-FFF2-40B4-BE49-F238E27FC236}">
+                <a16:creationId xmlns:a16="http://schemas.microsoft.com/office/drawing/2014/main" id="{D0477771-4FD3-9232-5E8A-DBC6E0EA3946}"/>
+              </a:ext>
+            </a:extLst>
+          </p:cNvPr>
+          <p:cNvSpPr txBox="1">
+            <a:spLocks/>
+          </p:cNvSpPr>
+          <p:nvPr/>
+        </p:nvSpPr>
+        <p:spPr>
+          <a:xfrm>
+            <a:off x="247917" y="2438399"/>
+            <a:ext cx="11804562" cy="4572001"/>
+          </a:xfrm>
+          <a:prstGeom prst="rect">
+            <a:avLst/>
+          </a:prstGeom>
+        </p:spPr>
+        <p:txBody>
+          <a:bodyPr vert="horz" lIns="91440" tIns="45720" rIns="91440" bIns="45720" rtlCol="0">
+            <a:normAutofit/>
+          </a:bodyPr>
+          <a:lstStyle>
+            <a:lvl1pPr marL="342900" indent="-342900" algn="l" defTabSz="457200" rtl="0" eaLnBrk="1" latinLnBrk="0" hangingPunct="1">
+              <a:spcBef>
+                <a:spcPts val="1000"/>
+              </a:spcBef>
+              <a:spcAft>
+                <a:spcPts val="0"/>
+              </a:spcAft>
+              <a:buClr>
+                <a:schemeClr val="accent1"/>
+              </a:buClr>
+              <a:buSzPct val="80000"/>
+              <a:buFont typeface="Wingdings 3" charset="2"/>
+              <a:buChar char=""/>
+              <a:defRPr sz="1800" b="0" i="0" kern="1200">
+                <a:solidFill>
+                  <a:schemeClr val="tx1">
+                    <a:lumMod val="75000"/>
+                    <a:lumOff val="25000"/>
+                  </a:schemeClr>
+                </a:solidFill>
+                <a:latin typeface="+mn-lt"/>
+                <a:ea typeface="+mn-ea"/>
+                <a:cs typeface="+mn-cs"/>
+              </a:defRPr>
+            </a:lvl1pPr>
+            <a:lvl2pPr marL="742950" indent="-285750" algn="l" defTabSz="457200" rtl="0" eaLnBrk="1" latinLnBrk="0" hangingPunct="1">
+              <a:spcBef>
+                <a:spcPts val="1000"/>
+              </a:spcBef>
+              <a:spcAft>
+                <a:spcPts val="0"/>
+              </a:spcAft>
+              <a:buClr>
+                <a:schemeClr val="accent1"/>
+              </a:buClr>
+              <a:buSzPct val="80000"/>
+              <a:buFont typeface="Wingdings 3" charset="2"/>
+              <a:buChar char=""/>
+              <a:defRPr sz="1600" b="0" i="0" kern="1200">
+                <a:solidFill>
+                  <a:schemeClr val="tx1">
+                    <a:lumMod val="75000"/>
+                    <a:lumOff val="25000"/>
+                  </a:schemeClr>
+                </a:solidFill>
+                <a:latin typeface="+mn-lt"/>
+                <a:ea typeface="+mn-ea"/>
+                <a:cs typeface="+mn-cs"/>
+              </a:defRPr>
+            </a:lvl2pPr>
+            <a:lvl3pPr marL="1143000" indent="-228600" algn="l" defTabSz="457200" rtl="0" eaLnBrk="1" latinLnBrk="0" hangingPunct="1">
+              <a:spcBef>
+                <a:spcPts val="1000"/>
+              </a:spcBef>
+              <a:spcAft>
+                <a:spcPts val="0"/>
+              </a:spcAft>
+              <a:buClr>
+                <a:schemeClr val="accent1"/>
+              </a:buClr>
+              <a:buSzPct val="80000"/>
+              <a:buFont typeface="Wingdings 3" charset="2"/>
+              <a:buChar char=""/>
+              <a:defRPr sz="1400" b="0" i="0" kern="1200">
+                <a:solidFill>
+                  <a:schemeClr val="tx1">
+                    <a:lumMod val="75000"/>
+                    <a:lumOff val="25000"/>
+                  </a:schemeClr>
+                </a:solidFill>
+                <a:latin typeface="+mn-lt"/>
+                <a:ea typeface="+mn-ea"/>
+                <a:cs typeface="+mn-cs"/>
+              </a:defRPr>
+            </a:lvl3pPr>
+            <a:lvl4pPr marL="1600200" indent="-228600" algn="l" defTabSz="457200" rtl="0" eaLnBrk="1" latinLnBrk="0" hangingPunct="1">
+              <a:spcBef>
+                <a:spcPts val="1000"/>
+              </a:spcBef>
+              <a:spcAft>
+                <a:spcPts val="0"/>
+              </a:spcAft>
+              <a:buClr>
+                <a:schemeClr val="accent1"/>
+              </a:buClr>
+              <a:buSzPct val="80000"/>
+              <a:buFont typeface="Wingdings 3" charset="2"/>
+              <a:buChar char=""/>
+              <a:defRPr sz="1200" b="0" i="0" kern="1200">
+                <a:solidFill>
+                  <a:schemeClr val="tx1">
+                    <a:lumMod val="75000"/>
+                    <a:lumOff val="25000"/>
+                  </a:schemeClr>
+                </a:solidFill>
+                <a:latin typeface="+mn-lt"/>
+                <a:ea typeface="+mn-ea"/>
+                <a:cs typeface="+mn-cs"/>
+              </a:defRPr>
+            </a:lvl4pPr>
+            <a:lvl5pPr marL="2057400" indent="-228600" algn="l" defTabSz="457200" rtl="0" eaLnBrk="1" latinLnBrk="0" hangingPunct="1">
+              <a:spcBef>
+                <a:spcPts val="1000"/>
+              </a:spcBef>
+              <a:spcAft>
+                <a:spcPts val="0"/>
+              </a:spcAft>
+              <a:buClr>
+                <a:schemeClr val="accent1"/>
+              </a:buClr>
+              <a:buSzPct val="80000"/>
+              <a:buFont typeface="Wingdings 3" charset="2"/>
+              <a:buChar char=""/>
+              <a:defRPr sz="1200" b="0" i="0" kern="1200">
+                <a:solidFill>
+                  <a:schemeClr val="tx1">
+                    <a:lumMod val="75000"/>
+                    <a:lumOff val="25000"/>
+                  </a:schemeClr>
+                </a:solidFill>
+                <a:latin typeface="+mn-lt"/>
+                <a:ea typeface="+mn-ea"/>
+                <a:cs typeface="+mn-cs"/>
+              </a:defRPr>
+            </a:lvl5pPr>
+            <a:lvl6pPr marL="2514600" indent="-228600" algn="l" defTabSz="457200" rtl="0" eaLnBrk="1" latinLnBrk="0" hangingPunct="1">
+              <a:spcBef>
+                <a:spcPts val="1000"/>
+              </a:spcBef>
+              <a:spcAft>
+                <a:spcPts val="0"/>
+              </a:spcAft>
+              <a:buClr>
+                <a:schemeClr val="accent1"/>
+              </a:buClr>
+              <a:buSzPct val="80000"/>
+              <a:buFont typeface="Wingdings 3" charset="2"/>
+              <a:buChar char=""/>
+              <a:defRPr sz="1200" b="0" i="0" kern="1200">
+                <a:solidFill>
+                  <a:schemeClr val="tx1">
+                    <a:lumMod val="75000"/>
+                    <a:lumOff val="25000"/>
+                  </a:schemeClr>
+                </a:solidFill>
+                <a:latin typeface="+mn-lt"/>
+                <a:ea typeface="+mn-ea"/>
+                <a:cs typeface="+mn-cs"/>
+              </a:defRPr>
+            </a:lvl6pPr>
+            <a:lvl7pPr marL="2971800" indent="-228600" algn="l" defTabSz="457200" rtl="0" eaLnBrk="1" latinLnBrk="0" hangingPunct="1">
+              <a:spcBef>
+                <a:spcPts val="1000"/>
+              </a:spcBef>
+              <a:spcAft>
+                <a:spcPts val="0"/>
+              </a:spcAft>
+              <a:buClr>
+                <a:schemeClr val="accent1"/>
+              </a:buClr>
+              <a:buSzPct val="80000"/>
+              <a:buFont typeface="Wingdings 3" charset="2"/>
+              <a:buChar char=""/>
+              <a:defRPr sz="1200" b="0" i="0" kern="1200">
+                <a:solidFill>
+                  <a:schemeClr val="tx1">
+                    <a:lumMod val="75000"/>
+                    <a:lumOff val="25000"/>
+                  </a:schemeClr>
+                </a:solidFill>
+                <a:latin typeface="+mn-lt"/>
+                <a:ea typeface="+mn-ea"/>
+                <a:cs typeface="+mn-cs"/>
+              </a:defRPr>
+            </a:lvl7pPr>
+            <a:lvl8pPr marL="3429000" indent="-228600" algn="l" defTabSz="457200" rtl="0" eaLnBrk="1" latinLnBrk="0" hangingPunct="1">
+              <a:spcBef>
+                <a:spcPts val="1000"/>
+              </a:spcBef>
+              <a:spcAft>
+                <a:spcPts val="0"/>
+              </a:spcAft>
+              <a:buClr>
+                <a:schemeClr val="accent1"/>
+              </a:buClr>
+              <a:buSzPct val="80000"/>
+              <a:buFont typeface="Wingdings 3" charset="2"/>
+              <a:buChar char=""/>
+              <a:defRPr sz="1200" b="0" i="0" kern="1200">
+                <a:solidFill>
+                  <a:schemeClr val="tx1">
+                    <a:lumMod val="75000"/>
+                    <a:lumOff val="25000"/>
+                  </a:schemeClr>
+                </a:solidFill>
+                <a:latin typeface="+mn-lt"/>
+                <a:ea typeface="+mn-ea"/>
+                <a:cs typeface="+mn-cs"/>
+              </a:defRPr>
+            </a:lvl8pPr>
+            <a:lvl9pPr marL="3886200" indent="-228600" algn="l" defTabSz="457200" rtl="0" eaLnBrk="1" latinLnBrk="0" hangingPunct="1">
+              <a:spcBef>
+                <a:spcPts val="1000"/>
+              </a:spcBef>
+              <a:spcAft>
+                <a:spcPts val="0"/>
+              </a:spcAft>
+              <a:buClr>
+                <a:schemeClr val="accent1"/>
+              </a:buClr>
+              <a:buSzPct val="80000"/>
+              <a:buFont typeface="Wingdings 3" charset="2"/>
+              <a:buChar char=""/>
+              <a:defRPr sz="1200" b="0" i="0" kern="1200">
+                <a:solidFill>
+                  <a:schemeClr val="tx1">
+                    <a:lumMod val="75000"/>
+                    <a:lumOff val="25000"/>
+                  </a:schemeClr>
+                </a:solidFill>
+                <a:latin typeface="+mn-lt"/>
+                <a:ea typeface="+mn-ea"/>
+                <a:cs typeface="+mn-cs"/>
+              </a:defRPr>
+            </a:lvl9pPr>
+          </a:lstStyle>
+          <a:p>
+            <a:r>
+              <a:rPr lang="en-GB"/>
+              <a:t>GPT hallucination</a:t>
+            </a:r>
+          </a:p>
+          <a:p>
+            <a:r>
+              <a:rPr lang="en-GB"/>
+              <a:t>Digest </a:t>
+            </a:r>
+            <a:r>
+              <a:rPr lang="en-GB" err="1"/>
+              <a:t>VisBERT</a:t>
+            </a:r>
+            <a:r>
+              <a:rPr lang="en-GB"/>
+              <a:t> code</a:t>
+            </a:r>
+          </a:p>
+          <a:p>
+            <a:r>
+              <a:rPr lang="en-GB"/>
+              <a:t>Study LLM</a:t>
+            </a:r>
+          </a:p>
+          <a:p>
+            <a:r>
+              <a:rPr lang="en-GB"/>
+              <a:t>New framework with force connected graph</a:t>
+            </a:r>
+          </a:p>
+          <a:p>
+            <a:r>
+              <a:rPr lang="en-GB"/>
+              <a:t>Play with </a:t>
+            </a:r>
+            <a:r>
+              <a:rPr lang="en-GB" err="1"/>
+              <a:t>attentionviz</a:t>
+            </a:r>
+            <a:endParaRPr lang="en-GB"/>
+          </a:p>
+          <a:p>
+            <a:r>
+              <a:rPr lang="en-GB"/>
+              <a:t>Digest </a:t>
+            </a:r>
+            <a:r>
+              <a:rPr lang="en-GB" err="1"/>
+              <a:t>attentionviz</a:t>
+            </a:r>
+            <a:endParaRPr lang="en-GB"/>
+          </a:p>
+          <a:p>
+            <a:r>
+              <a:rPr lang="en-GB"/>
+              <a:t>Have the codes for both running by January</a:t>
+            </a:r>
+          </a:p>
+          <a:p>
+            <a:endParaRPr lang="en-US"/>
+          </a:p>
+          <a:p>
+            <a:endParaRPr lang="en-GB"/>
           </a:p>
         </p:txBody>
       </p:sp>
     </p:spTree>
     <p:extLst>
       <p:ext uri="{BB962C8B-B14F-4D97-AF65-F5344CB8AC3E}">
-        <p14:creationId xmlns:p14="http://schemas.microsoft.com/office/powerpoint/2010/main" val="2117648406"/>
+        <p14:creationId xmlns:p14="http://schemas.microsoft.com/office/powerpoint/2010/main" val="2115425974"/>
       </p:ext>
     </p:extLst>
   </p:cSld>
@@ -16815,7 +16849,7 @@
 </p:sld>
 </file>
 
-<file path=ppt/slides/slide4.xml><?xml version="1.0" encoding="utf-8"?>
+<file path=ppt/slides/slide3.xml><?xml version="1.0" encoding="utf-8"?>
 <p:sld xmlns:a="http://schemas.openxmlformats.org/drawingml/2006/main" xmlns:r="http://schemas.openxmlformats.org/officeDocument/2006/relationships" xmlns:p="http://schemas.openxmlformats.org/presentationml/2006/main">
   <p:cSld>
     <p:spTree>
@@ -16860,13 +16894,13 @@
           <a:lstStyle/>
           <a:p>
             <a:r>
-              <a:rPr lang="en-US" sz="2400" dirty="0"/>
+              <a:rPr lang="en-US" sz="2400"/>
               <a:t>How Does BERT Answer Questions? A Layer-wise Analysis of Transformer Representations</a:t>
             </a:r>
             <a:br>
-              <a:rPr lang="en-GB" dirty="0"/>
+              <a:rPr lang="en-GB"/>
             </a:br>
-            <a:endParaRPr lang="en-GB" dirty="0"/>
+            <a:endParaRPr lang="en-GB"/>
           </a:p>
         </p:txBody>
       </p:sp>
@@ -16899,36 +16933,36 @@
           <a:lstStyle/>
           <a:p>
             <a:r>
-              <a:rPr lang="en-US" b="1" dirty="0"/>
+              <a:rPr lang="en-US" b="1"/>
               <a:t>Dimensionality reduction: </a:t>
             </a:r>
             <a:r>
-              <a:rPr lang="en-US" dirty="0"/>
+              <a:rPr lang="en-US"/>
               <a:t>BERT’s pretrained models use vector dimensions of 1024 and 512. Dimensionality reduction is used to visualize relations between tokens. </a:t>
             </a:r>
           </a:p>
           <a:p>
-            <a:endParaRPr lang="en-US" dirty="0"/>
-          </a:p>
-          <a:p>
-            <a:r>
-              <a:rPr lang="en-US" b="1" dirty="0"/>
+            <a:endParaRPr lang="en-US"/>
+          </a:p>
+          <a:p>
+            <a:r>
+              <a:rPr lang="en-US" b="1"/>
               <a:t>K-means Clustering: </a:t>
             </a:r>
             <a:r>
-              <a:rPr lang="en-US" dirty="0"/>
+              <a:rPr lang="en-US"/>
               <a:t>To verify that clusters in 2D space represent the actual distribution in high dimensional vector space, we apply k-means clustering. </a:t>
             </a:r>
           </a:p>
           <a:p>
-            <a:endParaRPr lang="en-US" dirty="0"/>
-          </a:p>
-          <a:p>
-            <a:r>
-              <a:rPr lang="en-US" dirty="0"/>
+            <a:endParaRPr lang="en-US"/>
+          </a:p>
+          <a:p>
+            <a:r>
+              <a:rPr lang="en-US"/>
               <a:t>We use principle of Edge probing</a:t>
             </a:r>
-            <a:endParaRPr lang="en-GB" dirty="0"/>
+            <a:endParaRPr lang="en-GB"/>
           </a:p>
         </p:txBody>
       </p:sp>
@@ -16975,7 +17009,7 @@
 </p:sld>
 </file>
 
-<file path=ppt/slides/slide5.xml><?xml version="1.0" encoding="utf-8"?>
+<file path=ppt/slides/slide4.xml><?xml version="1.0" encoding="utf-8"?>
 <p:sld xmlns:a="http://schemas.openxmlformats.org/drawingml/2006/main" xmlns:r="http://schemas.openxmlformats.org/officeDocument/2006/relationships" xmlns:p="http://schemas.openxmlformats.org/presentationml/2006/main">
   <p:cSld>
     <p:spTree>
@@ -17020,13 +17054,13 @@
           <a:lstStyle/>
           <a:p>
             <a:r>
-              <a:rPr lang="en-US" sz="2400" dirty="0"/>
+              <a:rPr lang="en-US" sz="2400"/>
               <a:t>How Does BERT Answer Questions? A Layer-wise Analysis of Transformer Representations</a:t>
             </a:r>
             <a:br>
-              <a:rPr lang="en-GB" dirty="0"/>
+              <a:rPr lang="en-GB"/>
             </a:br>
-            <a:endParaRPr lang="en-GB" dirty="0"/>
+            <a:endParaRPr lang="en-GB"/>
           </a:p>
         </p:txBody>
       </p:sp>
@@ -17052,31 +17086,31 @@
           <a:lstStyle/>
           <a:p>
             <a:r>
-              <a:rPr lang="en-US" dirty="0"/>
+              <a:rPr lang="en-US"/>
               <a:t>We use principle of Edge probing: this translates core NLP tasks into classification tasks by focusing solely on their labeling part.</a:t>
             </a:r>
           </a:p>
           <a:p>
-            <a:endParaRPr lang="en-US" dirty="0"/>
-          </a:p>
-          <a:p>
-            <a:r>
-              <a:rPr lang="en-US" dirty="0"/>
+            <a:endParaRPr lang="en-US"/>
+          </a:p>
+          <a:p>
+            <a:r>
+              <a:rPr lang="en-US"/>
               <a:t>The research adopts the tasks Named Entity Labeling, Conference Resolution, Relation classification </a:t>
             </a:r>
           </a:p>
           <a:p>
-            <a:endParaRPr lang="en-US" dirty="0"/>
-          </a:p>
-          <a:p>
-            <a:r>
-              <a:rPr lang="en-US" dirty="0"/>
+            <a:endParaRPr lang="en-US"/>
+          </a:p>
+          <a:p>
+            <a:r>
+              <a:rPr lang="en-US"/>
               <a:t>The researcher also adds question type classification and supporting fact identification due to their importance for question answering.</a:t>
             </a:r>
-            <a:endParaRPr lang="en-GB" dirty="0"/>
-          </a:p>
-          <a:p>
-            <a:endParaRPr lang="en-GB" dirty="0"/>
+            <a:endParaRPr lang="en-GB"/>
+          </a:p>
+          <a:p>
+            <a:endParaRPr lang="en-GB"/>
           </a:p>
         </p:txBody>
       </p:sp>
@@ -17093,125 +17127,7 @@
 </p:sld>
 </file>
 
-<file path=ppt/slides/slide6.xml><?xml version="1.0" encoding="utf-8"?>
-<p:sld xmlns:a="http://schemas.openxmlformats.org/drawingml/2006/main" xmlns:r="http://schemas.openxmlformats.org/officeDocument/2006/relationships" xmlns:p="http://schemas.openxmlformats.org/presentationml/2006/main">
-  <p:cSld>
-    <p:spTree>
-      <p:nvGrpSpPr>
-        <p:cNvPr id="1" name="">
-          <a:extLst>
-            <a:ext uri="{FF2B5EF4-FFF2-40B4-BE49-F238E27FC236}">
-              <a16:creationId xmlns:a16="http://schemas.microsoft.com/office/drawing/2014/main" id="{5BAFE040-A4B1-0D62-8877-415D3012BC7A}"/>
-            </a:ext>
-          </a:extLst>
-        </p:cNvPr>
-        <p:cNvGrpSpPr/>
-        <p:nvPr/>
-      </p:nvGrpSpPr>
-      <p:grpSpPr>
-        <a:xfrm>
-          <a:off x="0" y="0"/>
-          <a:ext cx="0" cy="0"/>
-          <a:chOff x="0" y="0"/>
-          <a:chExt cx="0" cy="0"/>
-        </a:xfrm>
-      </p:grpSpPr>
-      <p:sp>
-        <p:nvSpPr>
-          <p:cNvPr id="2" name="Title 1">
-            <a:extLst>
-              <a:ext uri="{FF2B5EF4-FFF2-40B4-BE49-F238E27FC236}">
-                <a16:creationId xmlns:a16="http://schemas.microsoft.com/office/drawing/2014/main" id="{181CB765-6403-A998-783A-2869A057F3CF}"/>
-              </a:ext>
-            </a:extLst>
-          </p:cNvPr>
-          <p:cNvSpPr>
-            <a:spLocks noGrp="1"/>
-          </p:cNvSpPr>
-          <p:nvPr>
-            <p:ph type="title"/>
-          </p:nvPr>
-        </p:nvSpPr>
-        <p:spPr/>
-        <p:txBody>
-          <a:bodyPr/>
-          <a:lstStyle/>
-          <a:p>
-            <a:r>
-              <a:rPr lang="en-US" sz="2400" dirty="0"/>
-              <a:t>How Does BERT Answer Questions? A Layer-wise Analysis of Transformer Representations</a:t>
-            </a:r>
-            <a:br>
-              <a:rPr lang="en-GB" dirty="0"/>
-            </a:br>
-            <a:endParaRPr lang="en-GB" dirty="0"/>
-          </a:p>
-        </p:txBody>
-      </p:sp>
-      <p:sp>
-        <p:nvSpPr>
-          <p:cNvPr id="3" name="Subtitle 2">
-            <a:extLst>
-              <a:ext uri="{FF2B5EF4-FFF2-40B4-BE49-F238E27FC236}">
-                <a16:creationId xmlns:a16="http://schemas.microsoft.com/office/drawing/2014/main" id="{20C845A4-4C0E-5BF7-70EE-1475EBD1C6C5}"/>
-              </a:ext>
-            </a:extLst>
-          </p:cNvPr>
-          <p:cNvSpPr>
-            <a:spLocks noGrp="1"/>
-          </p:cNvSpPr>
-          <p:nvPr>
-            <p:ph idx="1"/>
-          </p:nvPr>
-        </p:nvSpPr>
-        <p:spPr/>
-        <p:txBody>
-          <a:bodyPr/>
-          <a:lstStyle/>
-          <a:p>
-            <a:r>
-              <a:rPr lang="en-US" dirty="0"/>
-              <a:t>We use principle of Edge probing: this translates core NLP tasks into classification tasks by focusing solely on their labeling part.</a:t>
-            </a:r>
-          </a:p>
-          <a:p>
-            <a:endParaRPr lang="en-US" dirty="0"/>
-          </a:p>
-          <a:p>
-            <a:r>
-              <a:rPr lang="en-US" dirty="0"/>
-              <a:t>The research adopts the tasks Named Entity Labeling, Conference Resolution, Relation classification </a:t>
-            </a:r>
-          </a:p>
-          <a:p>
-            <a:endParaRPr lang="en-US" dirty="0"/>
-          </a:p>
-          <a:p>
-            <a:r>
-              <a:rPr lang="en-US" dirty="0"/>
-              <a:t>The researcher also adds question type classification and supporting fact identification due to their importance for question answering.</a:t>
-            </a:r>
-            <a:endParaRPr lang="en-GB" dirty="0"/>
-          </a:p>
-          <a:p>
-            <a:endParaRPr lang="en-GB" dirty="0"/>
-          </a:p>
-        </p:txBody>
-      </p:sp>
-    </p:spTree>
-    <p:extLst>
-      <p:ext uri="{BB962C8B-B14F-4D97-AF65-F5344CB8AC3E}">
-        <p14:creationId xmlns:p14="http://schemas.microsoft.com/office/powerpoint/2010/main" val="2481029743"/>
-      </p:ext>
-    </p:extLst>
-  </p:cSld>
-  <p:clrMapOvr>
-    <a:masterClrMapping/>
-  </p:clrMapOvr>
-</p:sld>
-</file>
-
-<file path=ppt/slides/slide7.xml><?xml version="1.0" encoding="utf-8"?>
+<file path=ppt/slides/slide5.xml><?xml version="1.0" encoding="utf-8"?>
 <p:sld xmlns:a="http://schemas.openxmlformats.org/drawingml/2006/main" xmlns:r="http://schemas.openxmlformats.org/officeDocument/2006/relationships" xmlns:p="http://schemas.openxmlformats.org/presentationml/2006/main">
   <p:cSld>
     <p:spTree>
@@ -17261,10 +17177,10 @@
           <a:lstStyle/>
           <a:p>
             <a:r>
-              <a:rPr lang="en-US" sz="2400" dirty="0"/>
+              <a:rPr lang="en-US" sz="2400"/>
               <a:t>How Does BERT Answer Questions? A Layer-wise Analysis of Transformer Representations</a:t>
             </a:r>
-            <a:endParaRPr lang="en-GB" sz="2400" dirty="0"/>
+            <a:endParaRPr lang="en-GB" sz="2400"/>
           </a:p>
         </p:txBody>
       </p:sp>
@@ -17297,58 +17213,58 @@
           <a:lstStyle/>
           <a:p>
             <a:r>
-              <a:rPr lang="en-US" b="1" dirty="0"/>
+              <a:rPr lang="en-US" b="1"/>
               <a:t>Named Entity Labeling</a:t>
             </a:r>
             <a:r>
-              <a:rPr lang="en-US" dirty="0"/>
+              <a:rPr lang="en-US"/>
               <a:t>: This is based on Named Entity Recognition but formulated as a Classification problem</a:t>
             </a:r>
-            <a:endParaRPr lang="en-GB" dirty="0"/>
-          </a:p>
-          <a:p>
-            <a:endParaRPr lang="en-US" b="1" dirty="0"/>
-          </a:p>
-          <a:p>
-            <a:r>
-              <a:rPr lang="en-US" b="1" dirty="0"/>
+            <a:endParaRPr lang="en-GB"/>
+          </a:p>
+          <a:p>
+            <a:endParaRPr lang="en-US" b="1"/>
+          </a:p>
+          <a:p>
+            <a:r>
+              <a:rPr lang="en-US" b="1"/>
               <a:t>Coreference Resolution: </a:t>
             </a:r>
             <a:r>
-              <a:rPr lang="en-US" dirty="0"/>
+              <a:rPr lang="en-US"/>
               <a:t>The Coreference task requires the model to predict whether two mentions within a text refer to the same entity.</a:t>
             </a:r>
           </a:p>
           <a:p>
-            <a:endParaRPr lang="en-US" b="1" dirty="0"/>
-          </a:p>
-          <a:p>
-            <a:r>
-              <a:rPr lang="en-US" b="1" dirty="0"/>
+            <a:endParaRPr lang="en-US" b="1"/>
+          </a:p>
+          <a:p>
+            <a:r>
+              <a:rPr lang="en-US" b="1"/>
               <a:t>Relation Classification:</a:t>
             </a:r>
             <a:r>
-              <a:rPr lang="en-US" dirty="0"/>
+              <a:rPr lang="en-US"/>
               <a:t> In Relation Classification the model has to predict which relation type connects two known entities.</a:t>
             </a:r>
-            <a:endParaRPr lang="en-GB" dirty="0"/>
-          </a:p>
-          <a:p>
-            <a:endParaRPr lang="en-US" b="1" dirty="0"/>
-          </a:p>
-          <a:p>
-            <a:r>
-              <a:rPr lang="en-US" b="1" dirty="0"/>
+            <a:endParaRPr lang="en-GB"/>
+          </a:p>
+          <a:p>
+            <a:endParaRPr lang="en-US" b="1"/>
+          </a:p>
+          <a:p>
+            <a:r>
+              <a:rPr lang="en-US" b="1"/>
               <a:t>Question Type Classification:</a:t>
             </a:r>
             <a:r>
-              <a:rPr lang="en-US" dirty="0"/>
+              <a:rPr lang="en-US"/>
               <a:t> A fundamental part of answering a question is to correctly identify its question type.</a:t>
             </a:r>
-            <a:endParaRPr lang="en-GB" dirty="0"/>
-          </a:p>
-          <a:p>
-            <a:endParaRPr lang="en-GB" dirty="0"/>
+            <a:endParaRPr lang="en-GB"/>
+          </a:p>
+          <a:p>
+            <a:endParaRPr lang="en-GB"/>
           </a:p>
         </p:txBody>
       </p:sp>
@@ -17365,158 +17281,7 @@
 </p:sld>
 </file>
 
-<file path=ppt/slides/slide8.xml><?xml version="1.0" encoding="utf-8"?>
-<p:sld xmlns:a="http://schemas.openxmlformats.org/drawingml/2006/main" xmlns:r="http://schemas.openxmlformats.org/officeDocument/2006/relationships" xmlns:p="http://schemas.openxmlformats.org/presentationml/2006/main">
-  <p:cSld>
-    <p:spTree>
-      <p:nvGrpSpPr>
-        <p:cNvPr id="1" name="">
-          <a:extLst>
-            <a:ext uri="{FF2B5EF4-FFF2-40B4-BE49-F238E27FC236}">
-              <a16:creationId xmlns:a16="http://schemas.microsoft.com/office/drawing/2014/main" id="{06F7FBE7-49C7-D6E9-E5F2-C44AC1D80780}"/>
-            </a:ext>
-          </a:extLst>
-        </p:cNvPr>
-        <p:cNvGrpSpPr/>
-        <p:nvPr/>
-      </p:nvGrpSpPr>
-      <p:grpSpPr>
-        <a:xfrm>
-          <a:off x="0" y="0"/>
-          <a:ext cx="0" cy="0"/>
-          <a:chOff x="0" y="0"/>
-          <a:chExt cx="0" cy="0"/>
-        </a:xfrm>
-      </p:grpSpPr>
-      <p:sp>
-        <p:nvSpPr>
-          <p:cNvPr id="2" name="Title 1">
-            <a:extLst>
-              <a:ext uri="{FF2B5EF4-FFF2-40B4-BE49-F238E27FC236}">
-                <a16:creationId xmlns:a16="http://schemas.microsoft.com/office/drawing/2014/main" id="{36BF463A-A555-D7B7-70B3-3DC9E9473103}"/>
-              </a:ext>
-            </a:extLst>
-          </p:cNvPr>
-          <p:cNvSpPr>
-            <a:spLocks noGrp="1"/>
-          </p:cNvSpPr>
-          <p:nvPr>
-            <p:ph type="title"/>
-          </p:nvPr>
-        </p:nvSpPr>
-        <p:spPr/>
-        <p:txBody>
-          <a:bodyPr/>
-          <a:lstStyle/>
-          <a:p>
-            <a:r>
-              <a:rPr lang="en-GB" dirty="0"/>
-              <a:t>Experiment</a:t>
-            </a:r>
-            <a:br>
-              <a:rPr lang="en-GB" dirty="0"/>
-            </a:br>
-            <a:endParaRPr lang="en-GB" dirty="0"/>
-          </a:p>
-        </p:txBody>
-      </p:sp>
-      <p:sp>
-        <p:nvSpPr>
-          <p:cNvPr id="3" name="Subtitle 2">
-            <a:extLst>
-              <a:ext uri="{FF2B5EF4-FFF2-40B4-BE49-F238E27FC236}">
-                <a16:creationId xmlns:a16="http://schemas.microsoft.com/office/drawing/2014/main" id="{17E97121-76A6-D6E8-67DF-D3E785C6F1E3}"/>
-              </a:ext>
-            </a:extLst>
-          </p:cNvPr>
-          <p:cNvSpPr>
-            <a:spLocks noGrp="1"/>
-          </p:cNvSpPr>
-          <p:nvPr>
-            <p:ph idx="1"/>
-          </p:nvPr>
-        </p:nvSpPr>
-        <p:spPr>
-          <a:xfrm>
-            <a:off x="533400" y="2285999"/>
-            <a:ext cx="9228786" cy="4217831"/>
-          </a:xfrm>
-        </p:spPr>
-        <p:txBody>
-          <a:bodyPr>
-            <a:normAutofit/>
-          </a:bodyPr>
-          <a:lstStyle/>
-          <a:p>
-            <a:r>
-              <a:rPr lang="en-US" dirty="0"/>
-              <a:t>SQUAD, HotpotQA and </a:t>
-            </a:r>
-            <a:r>
-              <a:rPr lang="en-US" dirty="0" err="1"/>
-              <a:t>babI</a:t>
-            </a:r>
-            <a:r>
-              <a:rPr lang="en-US" dirty="0"/>
-              <a:t> dataset</a:t>
-            </a:r>
-          </a:p>
-          <a:p>
-            <a:endParaRPr lang="en-US" dirty="0"/>
-          </a:p>
-          <a:p>
-            <a:r>
-              <a:rPr lang="en-US" dirty="0"/>
-              <a:t>The two models these dataset was tried on was BERT and GPT-2</a:t>
-            </a:r>
-            <a:endParaRPr lang="en-GB" dirty="0"/>
-          </a:p>
-        </p:txBody>
-      </p:sp>
-      <p:pic>
-        <p:nvPicPr>
-          <p:cNvPr id="5" name="Picture 4">
-            <a:extLst>
-              <a:ext uri="{FF2B5EF4-FFF2-40B4-BE49-F238E27FC236}">
-                <a16:creationId xmlns:a16="http://schemas.microsoft.com/office/drawing/2014/main" id="{A6C0BEA2-ED51-39AB-7714-75D80F675694}"/>
-              </a:ext>
-            </a:extLst>
-          </p:cNvPr>
-          <p:cNvPicPr>
-            <a:picLocks noChangeAspect="1"/>
-          </p:cNvPicPr>
-          <p:nvPr/>
-        </p:nvPicPr>
-        <p:blipFill>
-          <a:blip r:embed="rId2"/>
-          <a:stretch>
-            <a:fillRect/>
-          </a:stretch>
-        </p:blipFill>
-        <p:spPr>
-          <a:xfrm>
-            <a:off x="533400" y="4572000"/>
-            <a:ext cx="6387921" cy="2060619"/>
-          </a:xfrm>
-          <a:prstGeom prst="rect">
-            <a:avLst/>
-          </a:prstGeom>
-        </p:spPr>
-      </p:pic>
-    </p:spTree>
-    <p:extLst>
-      <p:ext uri="{BB962C8B-B14F-4D97-AF65-F5344CB8AC3E}">
-        <p14:creationId xmlns:p14="http://schemas.microsoft.com/office/powerpoint/2010/main" val="2333960958"/>
-      </p:ext>
-    </p:extLst>
-  </p:cSld>
-  <p:clrMapOvr>
-    <a:masterClrMapping/>
-  </p:clrMapOvr>
-</p:sld>
-</file>
-
-<file path=ppt/slides/slide9.xml><?xml version="1.0" encoding="utf-8"?>
+<file path=ppt/slides/slide6.xml><?xml version="1.0" encoding="utf-8"?>
 <p:sld xmlns:a="http://schemas.openxmlformats.org/drawingml/2006/main" xmlns:r="http://schemas.openxmlformats.org/officeDocument/2006/relationships" xmlns:p="http://schemas.openxmlformats.org/presentationml/2006/main">
   <p:cSld>
     <p:spTree>
@@ -17561,13 +17326,13 @@
           <a:lstStyle/>
           <a:p>
             <a:r>
-              <a:rPr lang="en-GB" dirty="0"/>
+              <a:rPr lang="en-GB"/>
               <a:t>Experiment</a:t>
             </a:r>
             <a:br>
-              <a:rPr lang="en-GB" dirty="0"/>
+              <a:rPr lang="en-GB"/>
             </a:br>
-            <a:endParaRPr lang="en-GB" dirty="0"/>
+            <a:endParaRPr lang="en-GB"/>
           </a:p>
         </p:txBody>
       </p:sp>
@@ -17600,27 +17365,27 @@
           <a:lstStyle/>
           <a:p>
             <a:r>
-              <a:rPr lang="en-US" dirty="0"/>
+              <a:rPr lang="en-US"/>
               <a:t>SQUAD, HotpotQA and </a:t>
             </a:r>
             <a:r>
-              <a:rPr lang="en-US" dirty="0" err="1"/>
+              <a:rPr lang="en-US" err="1"/>
               <a:t>babI</a:t>
             </a:r>
             <a:r>
-              <a:rPr lang="en-US" dirty="0"/>
+              <a:rPr lang="en-US"/>
               <a:t> dataset</a:t>
             </a:r>
           </a:p>
           <a:p>
-            <a:endParaRPr lang="en-US" dirty="0"/>
-          </a:p>
-          <a:p>
-            <a:r>
-              <a:rPr lang="en-US" dirty="0"/>
+            <a:endParaRPr lang="en-US"/>
+          </a:p>
+          <a:p>
+            <a:r>
+              <a:rPr lang="en-US"/>
               <a:t>The two models these dataset was tried on was BERT and GPT-2</a:t>
             </a:r>
-            <a:endParaRPr lang="en-GB" dirty="0"/>
+            <a:endParaRPr lang="en-GB"/>
           </a:p>
         </p:txBody>
       </p:sp>
@@ -17718,6 +17483,351 @@
     <p:extLst>
       <p:ext uri="{BB962C8B-B14F-4D97-AF65-F5344CB8AC3E}">
         <p14:creationId xmlns:p14="http://schemas.microsoft.com/office/powerpoint/2010/main" val="1446934414"/>
+      </p:ext>
+    </p:extLst>
+  </p:cSld>
+  <p:clrMapOvr>
+    <a:masterClrMapping/>
+  </p:clrMapOvr>
+</p:sld>
+</file>
+
+<file path=ppt/slides/slide7.xml><?xml version="1.0" encoding="utf-8"?>
+<p:sld xmlns:a="http://schemas.openxmlformats.org/drawingml/2006/main" xmlns:r="http://schemas.openxmlformats.org/officeDocument/2006/relationships" xmlns:p="http://schemas.openxmlformats.org/presentationml/2006/main">
+  <p:cSld>
+    <p:spTree>
+      <p:nvGrpSpPr>
+        <p:cNvPr id="1" name="">
+          <a:extLst>
+            <a:ext uri="{FF2B5EF4-FFF2-40B4-BE49-F238E27FC236}">
+              <a16:creationId xmlns:a16="http://schemas.microsoft.com/office/drawing/2014/main" id="{ADFBDCF1-0CAD-99CB-04EF-4912E4493CC6}"/>
+            </a:ext>
+          </a:extLst>
+        </p:cNvPr>
+        <p:cNvGrpSpPr/>
+        <p:nvPr/>
+      </p:nvGrpSpPr>
+      <p:grpSpPr>
+        <a:xfrm>
+          <a:off x="0" y="0"/>
+          <a:ext cx="0" cy="0"/>
+          <a:chOff x="0" y="0"/>
+          <a:chExt cx="0" cy="0"/>
+        </a:xfrm>
+      </p:grpSpPr>
+      <p:sp>
+        <p:nvSpPr>
+          <p:cNvPr id="2" name="Title 1">
+            <a:extLst>
+              <a:ext uri="{FF2B5EF4-FFF2-40B4-BE49-F238E27FC236}">
+                <a16:creationId xmlns:a16="http://schemas.microsoft.com/office/drawing/2014/main" id="{1E84849A-03CF-BA6C-DB21-3B091D9AA7D3}"/>
+              </a:ext>
+            </a:extLst>
+          </p:cNvPr>
+          <p:cNvSpPr>
+            <a:spLocks noGrp="1"/>
+          </p:cNvSpPr>
+          <p:nvPr>
+            <p:ph type="title"/>
+          </p:nvPr>
+        </p:nvSpPr>
+        <p:spPr/>
+        <p:txBody>
+          <a:bodyPr/>
+          <a:lstStyle/>
+          <a:p>
+            <a:r>
+              <a:rPr lang="en-GB"/>
+              <a:t>Results</a:t>
+            </a:r>
+            <a:br>
+              <a:rPr lang="en-GB"/>
+            </a:br>
+            <a:endParaRPr lang="en-GB"/>
+          </a:p>
+        </p:txBody>
+      </p:sp>
+      <p:sp>
+        <p:nvSpPr>
+          <p:cNvPr id="3" name="Subtitle 2">
+            <a:extLst>
+              <a:ext uri="{FF2B5EF4-FFF2-40B4-BE49-F238E27FC236}">
+                <a16:creationId xmlns:a16="http://schemas.microsoft.com/office/drawing/2014/main" id="{DF5B3F99-180E-0980-5F5A-9CA27E763146}"/>
+              </a:ext>
+            </a:extLst>
+          </p:cNvPr>
+          <p:cNvSpPr>
+            <a:spLocks noGrp="1"/>
+          </p:cNvSpPr>
+          <p:nvPr>
+            <p:ph idx="1"/>
+          </p:nvPr>
+        </p:nvSpPr>
+        <p:spPr>
+          <a:xfrm>
+            <a:off x="95517" y="2285999"/>
+            <a:ext cx="11225013" cy="4572001"/>
+          </a:xfrm>
+        </p:spPr>
+        <p:txBody>
+          <a:bodyPr>
+            <a:normAutofit/>
+          </a:bodyPr>
+          <a:lstStyle/>
+          <a:p>
+            <a:r>
+              <a:rPr lang="en-US" b="1"/>
+              <a:t>Semantic Clustering: </a:t>
+            </a:r>
+            <a:r>
+              <a:rPr lang="en-US"/>
+              <a:t>Early layers within BERT-based models group tokens into topical clusters. This clustering still holds little task-specific information.</a:t>
+            </a:r>
+          </a:p>
+          <a:p>
+            <a:endParaRPr lang="en-US" b="1"/>
+          </a:p>
+          <a:p>
+            <a:r>
+              <a:rPr lang="en-US" b="1"/>
+              <a:t>Connecting Entities with Mentions and Attributes:</a:t>
+            </a:r>
+            <a:r>
+              <a:rPr lang="en-US"/>
+              <a:t> In the middle layer, clustering is less connected by their topical similarities. Tokens are connected by their relation to certain input contexts.</a:t>
+            </a:r>
+          </a:p>
+          <a:p>
+            <a:endParaRPr lang="en-US" b="1"/>
+          </a:p>
+          <a:p>
+            <a:r>
+              <a:rPr lang="en-US" b="1"/>
+              <a:t>Matching Questions with Supporting Facts: </a:t>
+            </a:r>
+            <a:r>
+              <a:rPr lang="en-US"/>
+              <a:t>Identifying relevant parts of the context is crucial for QA and information retrieval. BERT performs this task by transforming the tokens so that question tokens are matched onto relevant tokens.</a:t>
+            </a:r>
+          </a:p>
+          <a:p>
+            <a:endParaRPr lang="en-US" b="1"/>
+          </a:p>
+          <a:p>
+            <a:r>
+              <a:rPr lang="en-US" b="1"/>
+              <a:t>Answer Extraction: </a:t>
+            </a:r>
+            <a:r>
+              <a:rPr lang="en-US"/>
+              <a:t>In the last network layers, the model dissolves most of the previous clusters. It then separates the correct answer token, and sometimes other possible candidates, from the rest of the tokens.</a:t>
+            </a:r>
+          </a:p>
+          <a:p>
+            <a:endParaRPr lang="en-GB"/>
+          </a:p>
+        </p:txBody>
+      </p:sp>
+    </p:spTree>
+    <p:extLst>
+      <p:ext uri="{BB962C8B-B14F-4D97-AF65-F5344CB8AC3E}">
+        <p14:creationId xmlns:p14="http://schemas.microsoft.com/office/powerpoint/2010/main" val="3817686245"/>
+      </p:ext>
+    </p:extLst>
+  </p:cSld>
+  <p:clrMapOvr>
+    <a:masterClrMapping/>
+  </p:clrMapOvr>
+</p:sld>
+</file>
+
+<file path=ppt/slides/slide8.xml><?xml version="1.0" encoding="utf-8"?>
+<p:sld xmlns:a="http://schemas.openxmlformats.org/drawingml/2006/main" xmlns:r="http://schemas.openxmlformats.org/officeDocument/2006/relationships" xmlns:p="http://schemas.openxmlformats.org/presentationml/2006/main">
+  <p:cSld>
+    <p:spTree>
+      <p:nvGrpSpPr>
+        <p:cNvPr id="1" name="">
+          <a:extLst>
+            <a:ext uri="{FF2B5EF4-FFF2-40B4-BE49-F238E27FC236}">
+              <a16:creationId xmlns:a16="http://schemas.microsoft.com/office/drawing/2014/main" id="{F014EFF6-FA8C-525F-199E-FAC1E99C2B9A}"/>
+            </a:ext>
+          </a:extLst>
+        </p:cNvPr>
+        <p:cNvGrpSpPr/>
+        <p:nvPr/>
+      </p:nvGrpSpPr>
+      <p:grpSpPr>
+        <a:xfrm>
+          <a:off x="0" y="0"/>
+          <a:ext cx="0" cy="0"/>
+          <a:chOff x="0" y="0"/>
+          <a:chExt cx="0" cy="0"/>
+        </a:xfrm>
+      </p:grpSpPr>
+      <p:sp>
+        <p:nvSpPr>
+          <p:cNvPr id="2" name="Title 1">
+            <a:extLst>
+              <a:ext uri="{FF2B5EF4-FFF2-40B4-BE49-F238E27FC236}">
+                <a16:creationId xmlns:a16="http://schemas.microsoft.com/office/drawing/2014/main" id="{EFB09E3E-0C8E-ADCF-DEFB-0E9E3D7CE861}"/>
+              </a:ext>
+            </a:extLst>
+          </p:cNvPr>
+          <p:cNvSpPr>
+            <a:spLocks noGrp="1"/>
+          </p:cNvSpPr>
+          <p:nvPr>
+            <p:ph type="title"/>
+          </p:nvPr>
+        </p:nvSpPr>
+        <p:spPr/>
+        <p:txBody>
+          <a:bodyPr/>
+          <a:lstStyle/>
+          <a:p>
+            <a:r>
+              <a:rPr lang="en-GB"/>
+              <a:t>Results</a:t>
+            </a:r>
+            <a:br>
+              <a:rPr lang="en-GB"/>
+            </a:br>
+            <a:endParaRPr lang="en-GB"/>
+          </a:p>
+        </p:txBody>
+      </p:sp>
+      <p:pic>
+        <p:nvPicPr>
+          <p:cNvPr id="6" name="Picture 5">
+            <a:extLst>
+              <a:ext uri="{FF2B5EF4-FFF2-40B4-BE49-F238E27FC236}">
+                <a16:creationId xmlns:a16="http://schemas.microsoft.com/office/drawing/2014/main" id="{43FAAA3C-C73A-36DC-0D2A-24301786D36F}"/>
+              </a:ext>
+            </a:extLst>
+          </p:cNvPr>
+          <p:cNvPicPr>
+            <a:picLocks noChangeAspect="1"/>
+          </p:cNvPicPr>
+          <p:nvPr/>
+        </p:nvPicPr>
+        <p:blipFill>
+          <a:blip r:embed="rId2"/>
+          <a:stretch>
+            <a:fillRect/>
+          </a:stretch>
+        </p:blipFill>
+        <p:spPr>
+          <a:xfrm>
+            <a:off x="0" y="1327150"/>
+            <a:ext cx="12191999" cy="5434258"/>
+          </a:xfrm>
+          <a:prstGeom prst="rect">
+            <a:avLst/>
+          </a:prstGeom>
+        </p:spPr>
+      </p:pic>
+    </p:spTree>
+    <p:extLst>
+      <p:ext uri="{BB962C8B-B14F-4D97-AF65-F5344CB8AC3E}">
+        <p14:creationId xmlns:p14="http://schemas.microsoft.com/office/powerpoint/2010/main" val="2931374799"/>
+      </p:ext>
+    </p:extLst>
+  </p:cSld>
+  <p:clrMapOvr>
+    <a:masterClrMapping/>
+  </p:clrMapOvr>
+</p:sld>
+</file>
+
+<file path=ppt/slides/slide9.xml><?xml version="1.0" encoding="utf-8"?>
+<p:sld xmlns:a="http://schemas.openxmlformats.org/drawingml/2006/main" xmlns:r="http://schemas.openxmlformats.org/officeDocument/2006/relationships" xmlns:p="http://schemas.openxmlformats.org/presentationml/2006/main">
+  <p:cSld>
+    <p:spTree>
+      <p:nvGrpSpPr>
+        <p:cNvPr id="1" name="">
+          <a:extLst>
+            <a:ext uri="{FF2B5EF4-FFF2-40B4-BE49-F238E27FC236}">
+              <a16:creationId xmlns:a16="http://schemas.microsoft.com/office/drawing/2014/main" id="{C732ED06-65CF-5563-6EAD-1B047E61ED80}"/>
+            </a:ext>
+          </a:extLst>
+        </p:cNvPr>
+        <p:cNvGrpSpPr/>
+        <p:nvPr/>
+      </p:nvGrpSpPr>
+      <p:grpSpPr>
+        <a:xfrm>
+          <a:off x="0" y="0"/>
+          <a:ext cx="0" cy="0"/>
+          <a:chOff x="0" y="0"/>
+          <a:chExt cx="0" cy="0"/>
+        </a:xfrm>
+      </p:grpSpPr>
+      <p:sp>
+        <p:nvSpPr>
+          <p:cNvPr id="2" name="Title 1">
+            <a:extLst>
+              <a:ext uri="{FF2B5EF4-FFF2-40B4-BE49-F238E27FC236}">
+                <a16:creationId xmlns:a16="http://schemas.microsoft.com/office/drawing/2014/main" id="{82D7FA52-8950-AC56-1637-73ACBB152EF1}"/>
+              </a:ext>
+            </a:extLst>
+          </p:cNvPr>
+          <p:cNvSpPr>
+            <a:spLocks noGrp="1"/>
+          </p:cNvSpPr>
+          <p:nvPr>
+            <p:ph type="title"/>
+          </p:nvPr>
+        </p:nvSpPr>
+        <p:spPr/>
+        <p:txBody>
+          <a:bodyPr/>
+          <a:lstStyle/>
+          <a:p>
+            <a:r>
+              <a:rPr lang="en-GB"/>
+              <a:t>Results</a:t>
+            </a:r>
+            <a:br>
+              <a:rPr lang="en-GB"/>
+            </a:br>
+            <a:endParaRPr lang="en-GB"/>
+          </a:p>
+        </p:txBody>
+      </p:sp>
+      <p:pic>
+        <p:nvPicPr>
+          <p:cNvPr id="4" name="Picture 3">
+            <a:extLst>
+              <a:ext uri="{FF2B5EF4-FFF2-40B4-BE49-F238E27FC236}">
+                <a16:creationId xmlns:a16="http://schemas.microsoft.com/office/drawing/2014/main" id="{79389FF6-1485-D436-CE6E-C7C8837A7694}"/>
+              </a:ext>
+            </a:extLst>
+          </p:cNvPr>
+          <p:cNvPicPr>
+            <a:picLocks noChangeAspect="1"/>
+          </p:cNvPicPr>
+          <p:nvPr/>
+        </p:nvPicPr>
+        <p:blipFill>
+          <a:blip r:embed="rId2"/>
+          <a:stretch>
+            <a:fillRect/>
+          </a:stretch>
+        </p:blipFill>
+        <p:spPr>
+          <a:xfrm>
+            <a:off x="463638" y="1867436"/>
+            <a:ext cx="11217499" cy="4990563"/>
+          </a:xfrm>
+          <a:prstGeom prst="rect">
+            <a:avLst/>
+          </a:prstGeom>
+        </p:spPr>
+      </p:pic>
+    </p:spTree>
+    <p:extLst>
+      <p:ext uri="{BB962C8B-B14F-4D97-AF65-F5344CB8AC3E}">
+        <p14:creationId xmlns:p14="http://schemas.microsoft.com/office/powerpoint/2010/main" val="3429275887"/>
       </p:ext>
     </p:extLst>
   </p:cSld>
